--- a/docs/diagrams/ug-report.pptx
+++ b/docs/diagrams/ug-report.pptx
@@ -261,7 +261,7 @@
           <a:p>
             <a:fld id="{D5F4EE06-143D-4C2F-8831-1CDA21FFE47B}" type="datetimeFigureOut">
               <a:rPr lang="en-SG" smtClean="0"/>
-              <a:t>13/9/2018</a:t>
+              <a:t>14/9/2018</a:t>
             </a:fld>
             <a:endParaRPr lang="en-SG"/>
           </a:p>
@@ -461,7 +461,7 @@
           <a:p>
             <a:fld id="{D5F4EE06-143D-4C2F-8831-1CDA21FFE47B}" type="datetimeFigureOut">
               <a:rPr lang="en-SG" smtClean="0"/>
-              <a:t>13/9/2018</a:t>
+              <a:t>14/9/2018</a:t>
             </a:fld>
             <a:endParaRPr lang="en-SG"/>
           </a:p>
@@ -671,7 +671,7 @@
           <a:p>
             <a:fld id="{D5F4EE06-143D-4C2F-8831-1CDA21FFE47B}" type="datetimeFigureOut">
               <a:rPr lang="en-SG" smtClean="0"/>
-              <a:t>13/9/2018</a:t>
+              <a:t>14/9/2018</a:t>
             </a:fld>
             <a:endParaRPr lang="en-SG"/>
           </a:p>
@@ -871,7 +871,7 @@
           <a:p>
             <a:fld id="{D5F4EE06-143D-4C2F-8831-1CDA21FFE47B}" type="datetimeFigureOut">
               <a:rPr lang="en-SG" smtClean="0"/>
-              <a:t>13/9/2018</a:t>
+              <a:t>14/9/2018</a:t>
             </a:fld>
             <a:endParaRPr lang="en-SG"/>
           </a:p>
@@ -1147,7 +1147,7 @@
           <a:p>
             <a:fld id="{D5F4EE06-143D-4C2F-8831-1CDA21FFE47B}" type="datetimeFigureOut">
               <a:rPr lang="en-SG" smtClean="0"/>
-              <a:t>13/9/2018</a:t>
+              <a:t>14/9/2018</a:t>
             </a:fld>
             <a:endParaRPr lang="en-SG"/>
           </a:p>
@@ -1415,7 +1415,7 @@
           <a:p>
             <a:fld id="{D5F4EE06-143D-4C2F-8831-1CDA21FFE47B}" type="datetimeFigureOut">
               <a:rPr lang="en-SG" smtClean="0"/>
-              <a:t>13/9/2018</a:t>
+              <a:t>14/9/2018</a:t>
             </a:fld>
             <a:endParaRPr lang="en-SG"/>
           </a:p>
@@ -1830,7 +1830,7 @@
           <a:p>
             <a:fld id="{D5F4EE06-143D-4C2F-8831-1CDA21FFE47B}" type="datetimeFigureOut">
               <a:rPr lang="en-SG" smtClean="0"/>
-              <a:t>13/9/2018</a:t>
+              <a:t>14/9/2018</a:t>
             </a:fld>
             <a:endParaRPr lang="en-SG"/>
           </a:p>
@@ -1972,7 +1972,7 @@
           <a:p>
             <a:fld id="{D5F4EE06-143D-4C2F-8831-1CDA21FFE47B}" type="datetimeFigureOut">
               <a:rPr lang="en-SG" smtClean="0"/>
-              <a:t>13/9/2018</a:t>
+              <a:t>14/9/2018</a:t>
             </a:fld>
             <a:endParaRPr lang="en-SG"/>
           </a:p>
@@ -2085,7 +2085,7 @@
           <a:p>
             <a:fld id="{D5F4EE06-143D-4C2F-8831-1CDA21FFE47B}" type="datetimeFigureOut">
               <a:rPr lang="en-SG" smtClean="0"/>
-              <a:t>13/9/2018</a:t>
+              <a:t>14/9/2018</a:t>
             </a:fld>
             <a:endParaRPr lang="en-SG"/>
           </a:p>
@@ -2398,7 +2398,7 @@
           <a:p>
             <a:fld id="{D5F4EE06-143D-4C2F-8831-1CDA21FFE47B}" type="datetimeFigureOut">
               <a:rPr lang="en-SG" smtClean="0"/>
-              <a:t>13/9/2018</a:t>
+              <a:t>14/9/2018</a:t>
             </a:fld>
             <a:endParaRPr lang="en-SG"/>
           </a:p>
@@ -2687,7 +2687,7 @@
           <a:p>
             <a:fld id="{D5F4EE06-143D-4C2F-8831-1CDA21FFE47B}" type="datetimeFigureOut">
               <a:rPr lang="en-SG" smtClean="0"/>
-              <a:t>13/9/2018</a:t>
+              <a:t>14/9/2018</a:t>
             </a:fld>
             <a:endParaRPr lang="en-SG"/>
           </a:p>
@@ -2930,7 +2930,7 @@
           <a:p>
             <a:fld id="{D5F4EE06-143D-4C2F-8831-1CDA21FFE47B}" type="datetimeFigureOut">
               <a:rPr lang="en-SG" smtClean="0"/>
-              <a:t>13/9/2018</a:t>
+              <a:t>14/9/2018</a:t>
             </a:fld>
             <a:endParaRPr lang="en-SG"/>
           </a:p>
@@ -3349,10 +3349,10 @@
       </p:grpSpPr>
       <p:grpSp>
         <p:nvGrpSpPr>
-          <p:cNvPr id="2" name="Group 1">
-            <a:extLst>
-              <a:ext uri="{FF2B5EF4-FFF2-40B4-BE49-F238E27FC236}">
-                <a16:creationId xmlns:a16="http://schemas.microsoft.com/office/drawing/2014/main" id="{AADF1D14-3A8F-4F9D-89A4-9AA3A16BCBA5}"/>
+          <p:cNvPr id="5" name="Group 4">
+            <a:extLst>
+              <a:ext uri="{FF2B5EF4-FFF2-40B4-BE49-F238E27FC236}">
+                <a16:creationId xmlns:a16="http://schemas.microsoft.com/office/drawing/2014/main" id="{B43A44B9-3612-4150-A44E-2A7BACC2B045}"/>
               </a:ext>
             </a:extLst>
           </p:cNvPr>
@@ -3361,10 +3361,10 @@
         </p:nvGrpSpPr>
         <p:grpSpPr>
           <a:xfrm>
-            <a:off x="0" y="-1023837"/>
-            <a:ext cx="12192000" cy="7881837"/>
-            <a:chOff x="0" y="-1023837"/>
-            <a:chExt cx="12192000" cy="7881837"/>
+            <a:off x="-1755436" y="-957072"/>
+            <a:ext cx="13947436" cy="7815072"/>
+            <a:chOff x="-1755436" y="-957072"/>
+            <a:chExt cx="13947436" cy="7815072"/>
           </a:xfrm>
         </p:grpSpPr>
         <p:pic>
@@ -3411,8 +3411,8 @@
           </p:nvSpPr>
           <p:spPr>
             <a:xfrm>
-              <a:off x="4617720" y="4094049"/>
-              <a:ext cx="1313181" cy="369332"/>
+              <a:off x="4646037" y="4094050"/>
+              <a:ext cx="739306" cy="369332"/>
             </a:xfrm>
             <a:prstGeom prst="rect">
               <a:avLst/>
@@ -3428,7 +3428,7 @@
               <a:pPr algn="ctr"/>
               <a:r>
                 <a:rPr lang="en-SG" b="1" dirty="0"/>
-                <a:t>Ramp Chart</a:t>
+                <a:t>Ramp</a:t>
               </a:r>
             </a:p>
           </p:txBody>
@@ -3447,7 +3447,7 @@
           </p:nvSpPr>
           <p:spPr>
             <a:xfrm>
-              <a:off x="9057409" y="-654505"/>
+              <a:off x="9057411" y="-587740"/>
               <a:ext cx="517237" cy="554182"/>
             </a:xfrm>
             <a:prstGeom prst="downArrow">
@@ -3499,7 +3499,7 @@
           </p:nvSpPr>
           <p:spPr>
             <a:xfrm>
-              <a:off x="8691340" y="-1023837"/>
+              <a:off x="8691342" y="-957072"/>
               <a:ext cx="1249381" cy="369332"/>
             </a:xfrm>
             <a:prstGeom prst="rect">
@@ -3623,7 +3623,7 @@
           </p:nvSpPr>
           <p:spPr>
             <a:xfrm rot="10800000">
-              <a:off x="5015693" y="3539866"/>
+              <a:off x="4757073" y="3539867"/>
               <a:ext cx="517237" cy="554182"/>
             </a:xfrm>
             <a:prstGeom prst="downArrow">
@@ -3834,6 +3834,94 @@
                 <a:rPr lang="en-SG" b="1" dirty="0"/>
                 <a:t>Chart Panel</a:t>
               </a:r>
+            </a:p>
+          </p:txBody>
+        </p:sp>
+        <p:sp>
+          <p:nvSpPr>
+            <p:cNvPr id="16" name="TextBox 15">
+              <a:extLst>
+                <a:ext uri="{FF2B5EF4-FFF2-40B4-BE49-F238E27FC236}">
+                  <a16:creationId xmlns:a16="http://schemas.microsoft.com/office/drawing/2014/main" id="{90DD3F11-A181-4D6B-B39E-4679AA9A63BD}"/>
+                </a:ext>
+              </a:extLst>
+            </p:cNvPr>
+            <p:cNvSpPr txBox="1"/>
+            <p:nvPr/>
+          </p:nvSpPr>
+          <p:spPr>
+            <a:xfrm>
+              <a:off x="-1755436" y="3096582"/>
+              <a:ext cx="1313181" cy="369332"/>
+            </a:xfrm>
+            <a:prstGeom prst="rect">
+              <a:avLst/>
+            </a:prstGeom>
+            <a:noFill/>
+          </p:spPr>
+          <p:txBody>
+            <a:bodyPr wrap="none" rtlCol="0">
+              <a:spAutoFit/>
+            </a:bodyPr>
+            <a:lstStyle/>
+            <a:p>
+              <a:pPr algn="ctr"/>
+              <a:r>
+                <a:rPr lang="en-SG" dirty="0"/>
+                <a:t>Ramp Chart</a:t>
+              </a:r>
+            </a:p>
+          </p:txBody>
+        </p:sp>
+        <p:sp>
+          <p:nvSpPr>
+            <p:cNvPr id="18" name="Arrow: Down 17">
+              <a:extLst>
+                <a:ext uri="{FF2B5EF4-FFF2-40B4-BE49-F238E27FC236}">
+                  <a16:creationId xmlns:a16="http://schemas.microsoft.com/office/drawing/2014/main" id="{0D427F96-5B4B-48FA-B69F-000E5460CBF1}"/>
+                </a:ext>
+              </a:extLst>
+            </p:cNvPr>
+            <p:cNvSpPr/>
+            <p:nvPr/>
+          </p:nvSpPr>
+          <p:spPr>
+            <a:xfrm rot="16200000">
+              <a:off x="-423782" y="3004157"/>
+              <a:ext cx="517237" cy="554182"/>
+            </a:xfrm>
+            <a:prstGeom prst="downArrow">
+              <a:avLst/>
+            </a:prstGeom>
+            <a:noFill/>
+            <a:ln w="38100">
+              <a:solidFill>
+                <a:schemeClr val="tx1"/>
+              </a:solidFill>
+            </a:ln>
+          </p:spPr>
+          <p:style>
+            <a:lnRef idx="2">
+              <a:schemeClr val="accent1">
+                <a:shade val="50000"/>
+              </a:schemeClr>
+            </a:lnRef>
+            <a:fillRef idx="1">
+              <a:schemeClr val="accent1"/>
+            </a:fillRef>
+            <a:effectRef idx="0">
+              <a:schemeClr val="accent1"/>
+            </a:effectRef>
+            <a:fontRef idx="minor">
+              <a:schemeClr val="lt1"/>
+            </a:fontRef>
+          </p:style>
+          <p:txBody>
+            <a:bodyPr rtlCol="0" anchor="ctr"/>
+            <a:lstStyle/>
+            <a:p>
+              <a:pPr algn="ctr"/>
+              <a:endParaRPr lang="en-SG"/>
             </a:p>
           </p:txBody>
         </p:sp>

--- a/docs/diagrams/ug-report.pptx
+++ b/docs/diagrams/ug-report.pptx
@@ -261,7 +261,7 @@
           <a:p>
             <a:fld id="{D5F4EE06-143D-4C2F-8831-1CDA21FFE47B}" type="datetimeFigureOut">
               <a:rPr lang="en-SG" smtClean="0"/>
-              <a:t>14/9/2018</a:t>
+              <a:t>20/12/2018</a:t>
             </a:fld>
             <a:endParaRPr lang="en-SG"/>
           </a:p>
@@ -461,7 +461,7 @@
           <a:p>
             <a:fld id="{D5F4EE06-143D-4C2F-8831-1CDA21FFE47B}" type="datetimeFigureOut">
               <a:rPr lang="en-SG" smtClean="0"/>
-              <a:t>14/9/2018</a:t>
+              <a:t>20/12/2018</a:t>
             </a:fld>
             <a:endParaRPr lang="en-SG"/>
           </a:p>
@@ -671,7 +671,7 @@
           <a:p>
             <a:fld id="{D5F4EE06-143D-4C2F-8831-1CDA21FFE47B}" type="datetimeFigureOut">
               <a:rPr lang="en-SG" smtClean="0"/>
-              <a:t>14/9/2018</a:t>
+              <a:t>20/12/2018</a:t>
             </a:fld>
             <a:endParaRPr lang="en-SG"/>
           </a:p>
@@ -871,7 +871,7 @@
           <a:p>
             <a:fld id="{D5F4EE06-143D-4C2F-8831-1CDA21FFE47B}" type="datetimeFigureOut">
               <a:rPr lang="en-SG" smtClean="0"/>
-              <a:t>14/9/2018</a:t>
+              <a:t>20/12/2018</a:t>
             </a:fld>
             <a:endParaRPr lang="en-SG"/>
           </a:p>
@@ -1147,7 +1147,7 @@
           <a:p>
             <a:fld id="{D5F4EE06-143D-4C2F-8831-1CDA21FFE47B}" type="datetimeFigureOut">
               <a:rPr lang="en-SG" smtClean="0"/>
-              <a:t>14/9/2018</a:t>
+              <a:t>20/12/2018</a:t>
             </a:fld>
             <a:endParaRPr lang="en-SG"/>
           </a:p>
@@ -1415,7 +1415,7 @@
           <a:p>
             <a:fld id="{D5F4EE06-143D-4C2F-8831-1CDA21FFE47B}" type="datetimeFigureOut">
               <a:rPr lang="en-SG" smtClean="0"/>
-              <a:t>14/9/2018</a:t>
+              <a:t>20/12/2018</a:t>
             </a:fld>
             <a:endParaRPr lang="en-SG"/>
           </a:p>
@@ -1830,7 +1830,7 @@
           <a:p>
             <a:fld id="{D5F4EE06-143D-4C2F-8831-1CDA21FFE47B}" type="datetimeFigureOut">
               <a:rPr lang="en-SG" smtClean="0"/>
-              <a:t>14/9/2018</a:t>
+              <a:t>20/12/2018</a:t>
             </a:fld>
             <a:endParaRPr lang="en-SG"/>
           </a:p>
@@ -1972,7 +1972,7 @@
           <a:p>
             <a:fld id="{D5F4EE06-143D-4C2F-8831-1CDA21FFE47B}" type="datetimeFigureOut">
               <a:rPr lang="en-SG" smtClean="0"/>
-              <a:t>14/9/2018</a:t>
+              <a:t>20/12/2018</a:t>
             </a:fld>
             <a:endParaRPr lang="en-SG"/>
           </a:p>
@@ -2085,7 +2085,7 @@
           <a:p>
             <a:fld id="{D5F4EE06-143D-4C2F-8831-1CDA21FFE47B}" type="datetimeFigureOut">
               <a:rPr lang="en-SG" smtClean="0"/>
-              <a:t>14/9/2018</a:t>
+              <a:t>20/12/2018</a:t>
             </a:fld>
             <a:endParaRPr lang="en-SG"/>
           </a:p>
@@ -2398,7 +2398,7 @@
           <a:p>
             <a:fld id="{D5F4EE06-143D-4C2F-8831-1CDA21FFE47B}" type="datetimeFigureOut">
               <a:rPr lang="en-SG" smtClean="0"/>
-              <a:t>14/9/2018</a:t>
+              <a:t>20/12/2018</a:t>
             </a:fld>
             <a:endParaRPr lang="en-SG"/>
           </a:p>
@@ -2687,7 +2687,7 @@
           <a:p>
             <a:fld id="{D5F4EE06-143D-4C2F-8831-1CDA21FFE47B}" type="datetimeFigureOut">
               <a:rPr lang="en-SG" smtClean="0"/>
-              <a:t>14/9/2018</a:t>
+              <a:t>20/12/2018</a:t>
             </a:fld>
             <a:endParaRPr lang="en-SG"/>
           </a:p>
@@ -2930,7 +2930,7 @@
           <a:p>
             <a:fld id="{D5F4EE06-143D-4C2F-8831-1CDA21FFE47B}" type="datetimeFigureOut">
               <a:rPr lang="en-SG" smtClean="0"/>
-              <a:t>14/9/2018</a:t>
+              <a:t>20/12/2018</a:t>
             </a:fld>
             <a:endParaRPr lang="en-SG"/>
           </a:p>
@@ -3347,585 +3347,569 @@
           <a:chExt cx="0" cy="0"/>
         </a:xfrm>
       </p:grpSpPr>
-      <p:grpSp>
-        <p:nvGrpSpPr>
-          <p:cNvPr id="5" name="Group 4">
-            <a:extLst>
-              <a:ext uri="{FF2B5EF4-FFF2-40B4-BE49-F238E27FC236}">
-                <a16:creationId xmlns:a16="http://schemas.microsoft.com/office/drawing/2014/main" id="{B43A44B9-3612-4150-A44E-2A7BACC2B045}"/>
-              </a:ext>
-            </a:extLst>
-          </p:cNvPr>
-          <p:cNvGrpSpPr/>
+      <p:pic>
+        <p:nvPicPr>
+          <p:cNvPr id="19" name="图片 18">
+            <a:extLst>
+              <a:ext uri="{FF2B5EF4-FFF2-40B4-BE49-F238E27FC236}">
+                <a16:creationId xmlns:a16="http://schemas.microsoft.com/office/drawing/2014/main" id="{79A7967F-D05C-423D-BDAE-55E1504B59B5}"/>
+              </a:ext>
+            </a:extLst>
+          </p:cNvPr>
+          <p:cNvPicPr>
+            <a:picLocks noChangeAspect="1"/>
+          </p:cNvPicPr>
           <p:nvPr/>
-        </p:nvGrpSpPr>
-        <p:grpSpPr>
+        </p:nvPicPr>
+        <p:blipFill rotWithShape="1">
+          <a:blip r:embed="rId2">
+            <a:extLst>
+              <a:ext uri="{28A0092B-C50C-407E-A947-70E740481C1C}">
+                <a14:useLocalDpi xmlns:a14="http://schemas.microsoft.com/office/drawing/2010/main" val="0"/>
+              </a:ext>
+            </a:extLst>
+          </a:blip>
+          <a:srcRect l="-90" t="1650" r="122"/>
+          <a:stretch/>
+        </p:blipFill>
+        <p:spPr>
           <a:xfrm>
-            <a:off x="-1755436" y="-957072"/>
-            <a:ext cx="13947436" cy="7815072"/>
-            <a:chOff x="-1755436" y="-957072"/>
-            <a:chExt cx="13947436" cy="7815072"/>
+            <a:off x="0" y="0"/>
+            <a:ext cx="12217996" cy="5618374"/>
           </a:xfrm>
-        </p:grpSpPr>
-        <p:pic>
-          <p:nvPicPr>
-            <p:cNvPr id="4" name="Picture 3">
-              <a:extLst>
-                <a:ext uri="{FF2B5EF4-FFF2-40B4-BE49-F238E27FC236}">
-                  <a16:creationId xmlns:a16="http://schemas.microsoft.com/office/drawing/2014/main" id="{A49FF059-87F9-431D-873B-567890A47D18}"/>
-                </a:ext>
-              </a:extLst>
-            </p:cNvPr>
-            <p:cNvPicPr>
-              <a:picLocks noChangeAspect="1"/>
-            </p:cNvPicPr>
-            <p:nvPr/>
-          </p:nvPicPr>
-          <p:blipFill>
-            <a:blip r:embed="rId2"/>
-            <a:stretch>
-              <a:fillRect/>
-            </a:stretch>
-          </p:blipFill>
-          <p:spPr>
-            <a:xfrm>
-              <a:off x="0" y="0"/>
-              <a:ext cx="12192000" cy="6858000"/>
-            </a:xfrm>
-            <a:prstGeom prst="rect">
-              <a:avLst/>
-            </a:prstGeom>
-          </p:spPr>
-        </p:pic>
-        <p:sp>
-          <p:nvSpPr>
-            <p:cNvPr id="7" name="TextBox 6">
-              <a:extLst>
-                <a:ext uri="{FF2B5EF4-FFF2-40B4-BE49-F238E27FC236}">
-                  <a16:creationId xmlns:a16="http://schemas.microsoft.com/office/drawing/2014/main" id="{7A204B77-DB19-44AC-B9D4-FD866571438D}"/>
-                </a:ext>
-              </a:extLst>
-            </p:cNvPr>
-            <p:cNvSpPr txBox="1"/>
-            <p:nvPr/>
-          </p:nvSpPr>
-          <p:spPr>
-            <a:xfrm>
-              <a:off x="4646037" y="4094050"/>
-              <a:ext cx="739306" cy="369332"/>
-            </a:xfrm>
-            <a:prstGeom prst="rect">
-              <a:avLst/>
-            </a:prstGeom>
-            <a:noFill/>
-          </p:spPr>
-          <p:txBody>
-            <a:bodyPr wrap="none" rtlCol="0">
-              <a:spAutoFit/>
-            </a:bodyPr>
-            <a:lstStyle/>
-            <a:p>
-              <a:pPr algn="ctr"/>
-              <a:r>
-                <a:rPr lang="en-SG" b="1" dirty="0"/>
-                <a:t>Ramp</a:t>
-              </a:r>
-            </a:p>
-          </p:txBody>
-        </p:sp>
-        <p:sp>
-          <p:nvSpPr>
-            <p:cNvPr id="8" name="Arrow: Down 7">
-              <a:extLst>
-                <a:ext uri="{FF2B5EF4-FFF2-40B4-BE49-F238E27FC236}">
-                  <a16:creationId xmlns:a16="http://schemas.microsoft.com/office/drawing/2014/main" id="{E70E593E-34F8-4719-AC5C-AA5555C17A19}"/>
-                </a:ext>
-              </a:extLst>
-            </p:cNvPr>
-            <p:cNvSpPr/>
-            <p:nvPr/>
-          </p:nvSpPr>
-          <p:spPr>
-            <a:xfrm>
-              <a:off x="9057411" y="-587740"/>
-              <a:ext cx="517237" cy="554182"/>
-            </a:xfrm>
-            <a:prstGeom prst="downArrow">
-              <a:avLst/>
-            </a:prstGeom>
-            <a:noFill/>
-            <a:ln w="38100">
-              <a:solidFill>
-                <a:schemeClr val="tx1"/>
-              </a:solidFill>
-            </a:ln>
-          </p:spPr>
-          <p:style>
-            <a:lnRef idx="2">
-              <a:schemeClr val="accent1">
-                <a:shade val="50000"/>
-              </a:schemeClr>
-            </a:lnRef>
-            <a:fillRef idx="1">
-              <a:schemeClr val="accent1"/>
-            </a:fillRef>
-            <a:effectRef idx="0">
-              <a:schemeClr val="accent1"/>
-            </a:effectRef>
-            <a:fontRef idx="minor">
-              <a:schemeClr val="lt1"/>
-            </a:fontRef>
-          </p:style>
-          <p:txBody>
-            <a:bodyPr rtlCol="0" anchor="ctr"/>
-            <a:lstStyle/>
-            <a:p>
-              <a:pPr algn="ctr"/>
-              <a:endParaRPr lang="en-SG"/>
-            </a:p>
-          </p:txBody>
-        </p:sp>
-        <p:sp>
-          <p:nvSpPr>
-            <p:cNvPr id="9" name="TextBox 8">
-              <a:extLst>
-                <a:ext uri="{FF2B5EF4-FFF2-40B4-BE49-F238E27FC236}">
-                  <a16:creationId xmlns:a16="http://schemas.microsoft.com/office/drawing/2014/main" id="{E5951C4D-2615-492C-8B4C-6400FC79A33D}"/>
-                </a:ext>
-              </a:extLst>
-            </p:cNvPr>
-            <p:cNvSpPr txBox="1"/>
-            <p:nvPr/>
-          </p:nvSpPr>
-          <p:spPr>
-            <a:xfrm>
-              <a:off x="8691342" y="-957072"/>
-              <a:ext cx="1249381" cy="369332"/>
-            </a:xfrm>
-            <a:prstGeom prst="rect">
-              <a:avLst/>
-            </a:prstGeom>
-            <a:noFill/>
-          </p:spPr>
-          <p:txBody>
-            <a:bodyPr wrap="none" rtlCol="0">
-              <a:spAutoFit/>
-            </a:bodyPr>
-            <a:lstStyle/>
-            <a:p>
-              <a:pPr algn="ctr"/>
-              <a:r>
-                <a:rPr lang="en-SG" b="1" dirty="0"/>
-                <a:t>Code Panel</a:t>
-              </a:r>
-            </a:p>
-          </p:txBody>
-        </p:sp>
-        <p:sp>
-          <p:nvSpPr>
-            <p:cNvPr id="10" name="Arrow: Down 9">
-              <a:extLst>
-                <a:ext uri="{FF2B5EF4-FFF2-40B4-BE49-F238E27FC236}">
-                  <a16:creationId xmlns:a16="http://schemas.microsoft.com/office/drawing/2014/main" id="{4B5FA1E7-2641-418D-9855-87AEAC7ED7B2}"/>
-                </a:ext>
-              </a:extLst>
-            </p:cNvPr>
-            <p:cNvSpPr/>
-            <p:nvPr/>
-          </p:nvSpPr>
-          <p:spPr>
-            <a:xfrm rot="5400000">
-              <a:off x="2304472" y="4992254"/>
-              <a:ext cx="517237" cy="554182"/>
-            </a:xfrm>
-            <a:prstGeom prst="downArrow">
-              <a:avLst/>
-            </a:prstGeom>
-            <a:noFill/>
-            <a:ln w="38100">
-              <a:solidFill>
-                <a:schemeClr val="tx1"/>
-              </a:solidFill>
-            </a:ln>
-          </p:spPr>
-          <p:style>
-            <a:lnRef idx="2">
-              <a:schemeClr val="accent1">
-                <a:shade val="50000"/>
-              </a:schemeClr>
-            </a:lnRef>
-            <a:fillRef idx="1">
-              <a:schemeClr val="accent1"/>
-            </a:fillRef>
-            <a:effectRef idx="0">
-              <a:schemeClr val="accent1"/>
-            </a:effectRef>
-            <a:fontRef idx="minor">
-              <a:schemeClr val="lt1"/>
-            </a:fontRef>
-          </p:style>
-          <p:txBody>
-            <a:bodyPr rtlCol="0" anchor="ctr"/>
-            <a:lstStyle/>
-            <a:p>
-              <a:pPr algn="ctr"/>
-              <a:endParaRPr lang="en-SG"/>
-            </a:p>
-          </p:txBody>
-        </p:sp>
-        <p:sp>
-          <p:nvSpPr>
-            <p:cNvPr id="11" name="TextBox 10">
-              <a:extLst>
-                <a:ext uri="{FF2B5EF4-FFF2-40B4-BE49-F238E27FC236}">
-                  <a16:creationId xmlns:a16="http://schemas.microsoft.com/office/drawing/2014/main" id="{A0C18F20-A329-4A19-9568-DDF540B86597}"/>
-                </a:ext>
-              </a:extLst>
-            </p:cNvPr>
-            <p:cNvSpPr txBox="1"/>
-            <p:nvPr/>
-          </p:nvSpPr>
-          <p:spPr>
-            <a:xfrm>
-              <a:off x="2840182" y="5084679"/>
-              <a:ext cx="1777538" cy="369332"/>
-            </a:xfrm>
-            <a:prstGeom prst="rect">
-              <a:avLst/>
-            </a:prstGeom>
-            <a:noFill/>
-          </p:spPr>
-          <p:txBody>
-            <a:bodyPr wrap="none" rtlCol="0">
-              <a:spAutoFit/>
-            </a:bodyPr>
-            <a:lstStyle/>
-            <a:p>
-              <a:pPr algn="ctr"/>
-              <a:r>
-                <a:rPr lang="en-SG" b="1" dirty="0"/>
-                <a:t>Contribution Bar</a:t>
-              </a:r>
-            </a:p>
-          </p:txBody>
-        </p:sp>
-        <p:sp>
-          <p:nvSpPr>
-            <p:cNvPr id="13" name="Arrow: Down 12">
-              <a:extLst>
-                <a:ext uri="{FF2B5EF4-FFF2-40B4-BE49-F238E27FC236}">
-                  <a16:creationId xmlns:a16="http://schemas.microsoft.com/office/drawing/2014/main" id="{513B7AA3-D8C6-4818-8677-73EFEDACCEF6}"/>
-                </a:ext>
-              </a:extLst>
-            </p:cNvPr>
-            <p:cNvSpPr/>
-            <p:nvPr/>
-          </p:nvSpPr>
-          <p:spPr>
-            <a:xfrm rot="10800000">
-              <a:off x="4757073" y="3539867"/>
-              <a:ext cx="517237" cy="554182"/>
-            </a:xfrm>
-            <a:prstGeom prst="downArrow">
-              <a:avLst/>
-            </a:prstGeom>
-            <a:noFill/>
-            <a:ln w="38100">
-              <a:solidFill>
-                <a:schemeClr val="tx1"/>
-              </a:solidFill>
-            </a:ln>
-          </p:spPr>
-          <p:style>
-            <a:lnRef idx="2">
-              <a:schemeClr val="accent1">
-                <a:shade val="50000"/>
-              </a:schemeClr>
-            </a:lnRef>
-            <a:fillRef idx="1">
-              <a:schemeClr val="accent1"/>
-            </a:fillRef>
-            <a:effectRef idx="0">
-              <a:schemeClr val="accent1"/>
-            </a:effectRef>
-            <a:fontRef idx="minor">
-              <a:schemeClr val="lt1"/>
-            </a:fontRef>
-          </p:style>
-          <p:txBody>
-            <a:bodyPr rtlCol="0" anchor="ctr"/>
-            <a:lstStyle/>
-            <a:p>
-              <a:pPr algn="ctr"/>
-              <a:endParaRPr lang="en-SG"/>
-            </a:p>
-          </p:txBody>
-        </p:sp>
-        <p:sp>
-          <p:nvSpPr>
-            <p:cNvPr id="14" name="TextBox 13">
-              <a:extLst>
-                <a:ext uri="{FF2B5EF4-FFF2-40B4-BE49-F238E27FC236}">
-                  <a16:creationId xmlns:a16="http://schemas.microsoft.com/office/drawing/2014/main" id="{61C6FB55-A0EF-4B70-9579-2E3633BAB17C}"/>
-                </a:ext>
-              </a:extLst>
-            </p:cNvPr>
-            <p:cNvSpPr txBox="1"/>
-            <p:nvPr/>
-          </p:nvSpPr>
-          <p:spPr>
-            <a:xfrm>
-              <a:off x="111927" y="37190"/>
-              <a:ext cx="900503" cy="369332"/>
-            </a:xfrm>
-            <a:prstGeom prst="rect">
-              <a:avLst/>
-            </a:prstGeom>
-            <a:noFill/>
-          </p:spPr>
-          <p:txBody>
-            <a:bodyPr wrap="none" rtlCol="0">
-              <a:spAutoFit/>
-            </a:bodyPr>
-            <a:lstStyle/>
-            <a:p>
-              <a:pPr algn="ctr"/>
-              <a:r>
-                <a:rPr lang="en-SG" b="1" dirty="0"/>
-                <a:t>Toolbar</a:t>
-              </a:r>
-            </a:p>
-          </p:txBody>
-        </p:sp>
-        <p:sp>
-          <p:nvSpPr>
-            <p:cNvPr id="15" name="Arrow: Down 14">
-              <a:extLst>
-                <a:ext uri="{FF2B5EF4-FFF2-40B4-BE49-F238E27FC236}">
-                  <a16:creationId xmlns:a16="http://schemas.microsoft.com/office/drawing/2014/main" id="{C9086935-6371-4258-8020-0D1D97F121AB}"/>
-                </a:ext>
-              </a:extLst>
-            </p:cNvPr>
-            <p:cNvSpPr/>
-            <p:nvPr/>
-          </p:nvSpPr>
-          <p:spPr>
-            <a:xfrm rot="16200000">
-              <a:off x="303561" y="388050"/>
-              <a:ext cx="517237" cy="554182"/>
-            </a:xfrm>
-            <a:prstGeom prst="downArrow">
-              <a:avLst/>
-            </a:prstGeom>
-            <a:noFill/>
-            <a:ln w="38100">
-              <a:solidFill>
-                <a:schemeClr val="tx1"/>
-              </a:solidFill>
-            </a:ln>
-          </p:spPr>
-          <p:style>
-            <a:lnRef idx="2">
-              <a:schemeClr val="accent1">
-                <a:shade val="50000"/>
-              </a:schemeClr>
-            </a:lnRef>
-            <a:fillRef idx="1">
-              <a:schemeClr val="accent1"/>
-            </a:fillRef>
-            <a:effectRef idx="0">
-              <a:schemeClr val="accent1"/>
-            </a:effectRef>
-            <a:fontRef idx="minor">
-              <a:schemeClr val="lt1"/>
-            </a:fontRef>
-          </p:style>
-          <p:txBody>
-            <a:bodyPr rtlCol="0" anchor="ctr"/>
-            <a:lstStyle/>
-            <a:p>
-              <a:pPr algn="ctr"/>
-              <a:endParaRPr lang="en-SG"/>
-            </a:p>
-          </p:txBody>
-        </p:sp>
-        <p:sp>
-          <p:nvSpPr>
-            <p:cNvPr id="12" name="Arrow: Down 11">
-              <a:extLst>
-                <a:ext uri="{FF2B5EF4-FFF2-40B4-BE49-F238E27FC236}">
-                  <a16:creationId xmlns:a16="http://schemas.microsoft.com/office/drawing/2014/main" id="{6E5DA74A-713D-4962-8BB0-EB6D058497FA}"/>
-                </a:ext>
-              </a:extLst>
-            </p:cNvPr>
-            <p:cNvSpPr/>
-            <p:nvPr/>
-          </p:nvSpPr>
-          <p:spPr>
-            <a:xfrm>
-              <a:off x="2875970" y="-587740"/>
-              <a:ext cx="517237" cy="554182"/>
-            </a:xfrm>
-            <a:prstGeom prst="downArrow">
-              <a:avLst/>
-            </a:prstGeom>
-            <a:noFill/>
-            <a:ln w="38100">
-              <a:solidFill>
-                <a:schemeClr val="tx1"/>
-              </a:solidFill>
-            </a:ln>
-          </p:spPr>
-          <p:style>
-            <a:lnRef idx="2">
-              <a:schemeClr val="accent1">
-                <a:shade val="50000"/>
-              </a:schemeClr>
-            </a:lnRef>
-            <a:fillRef idx="1">
-              <a:schemeClr val="accent1"/>
-            </a:fillRef>
-            <a:effectRef idx="0">
-              <a:schemeClr val="accent1"/>
-            </a:effectRef>
-            <a:fontRef idx="minor">
-              <a:schemeClr val="lt1"/>
-            </a:fontRef>
-          </p:style>
-          <p:txBody>
-            <a:bodyPr rtlCol="0" anchor="ctr"/>
-            <a:lstStyle/>
-            <a:p>
-              <a:pPr algn="ctr"/>
-              <a:endParaRPr lang="en-SG"/>
-            </a:p>
-          </p:txBody>
-        </p:sp>
-        <p:sp>
-          <p:nvSpPr>
-            <p:cNvPr id="17" name="TextBox 16">
-              <a:extLst>
-                <a:ext uri="{FF2B5EF4-FFF2-40B4-BE49-F238E27FC236}">
-                  <a16:creationId xmlns:a16="http://schemas.microsoft.com/office/drawing/2014/main" id="{6ADBC469-4AA9-4B94-927B-3BC4FF0DB4CD}"/>
-                </a:ext>
-              </a:extLst>
-            </p:cNvPr>
-            <p:cNvSpPr txBox="1"/>
-            <p:nvPr/>
-          </p:nvSpPr>
-          <p:spPr>
-            <a:xfrm>
-              <a:off x="2491467" y="-957072"/>
-              <a:ext cx="1286250" cy="369332"/>
-            </a:xfrm>
-            <a:prstGeom prst="rect">
-              <a:avLst/>
-            </a:prstGeom>
-            <a:noFill/>
-          </p:spPr>
-          <p:txBody>
-            <a:bodyPr wrap="none" rtlCol="0">
-              <a:spAutoFit/>
-            </a:bodyPr>
-            <a:lstStyle/>
-            <a:p>
-              <a:pPr algn="ctr"/>
-              <a:r>
-                <a:rPr lang="en-SG" b="1" dirty="0"/>
-                <a:t>Chart Panel</a:t>
-              </a:r>
-            </a:p>
-          </p:txBody>
-        </p:sp>
-        <p:sp>
-          <p:nvSpPr>
-            <p:cNvPr id="16" name="TextBox 15">
-              <a:extLst>
-                <a:ext uri="{FF2B5EF4-FFF2-40B4-BE49-F238E27FC236}">
-                  <a16:creationId xmlns:a16="http://schemas.microsoft.com/office/drawing/2014/main" id="{90DD3F11-A181-4D6B-B39E-4679AA9A63BD}"/>
-                </a:ext>
-              </a:extLst>
-            </p:cNvPr>
-            <p:cNvSpPr txBox="1"/>
-            <p:nvPr/>
-          </p:nvSpPr>
-          <p:spPr>
-            <a:xfrm>
-              <a:off x="-1755436" y="3096582"/>
-              <a:ext cx="1313181" cy="369332"/>
-            </a:xfrm>
-            <a:prstGeom prst="rect">
-              <a:avLst/>
-            </a:prstGeom>
-            <a:noFill/>
-          </p:spPr>
-          <p:txBody>
-            <a:bodyPr wrap="none" rtlCol="0">
-              <a:spAutoFit/>
-            </a:bodyPr>
-            <a:lstStyle/>
-            <a:p>
-              <a:pPr algn="ctr"/>
-              <a:r>
-                <a:rPr lang="en-SG" dirty="0"/>
-                <a:t>Ramp Chart</a:t>
-              </a:r>
-            </a:p>
-          </p:txBody>
-        </p:sp>
-        <p:sp>
-          <p:nvSpPr>
-            <p:cNvPr id="18" name="Arrow: Down 17">
-              <a:extLst>
-                <a:ext uri="{FF2B5EF4-FFF2-40B4-BE49-F238E27FC236}">
-                  <a16:creationId xmlns:a16="http://schemas.microsoft.com/office/drawing/2014/main" id="{0D427F96-5B4B-48FA-B69F-000E5460CBF1}"/>
-                </a:ext>
-              </a:extLst>
-            </p:cNvPr>
-            <p:cNvSpPr/>
-            <p:nvPr/>
-          </p:nvSpPr>
-          <p:spPr>
-            <a:xfrm rot="16200000">
-              <a:off x="-423782" y="3004157"/>
-              <a:ext cx="517237" cy="554182"/>
-            </a:xfrm>
-            <a:prstGeom prst="downArrow">
-              <a:avLst/>
-            </a:prstGeom>
-            <a:noFill/>
-            <a:ln w="38100">
-              <a:solidFill>
-                <a:schemeClr val="tx1"/>
-              </a:solidFill>
-            </a:ln>
-          </p:spPr>
-          <p:style>
-            <a:lnRef idx="2">
-              <a:schemeClr val="accent1">
-                <a:shade val="50000"/>
-              </a:schemeClr>
-            </a:lnRef>
-            <a:fillRef idx="1">
-              <a:schemeClr val="accent1"/>
-            </a:fillRef>
-            <a:effectRef idx="0">
-              <a:schemeClr val="accent1"/>
-            </a:effectRef>
-            <a:fontRef idx="minor">
-              <a:schemeClr val="lt1"/>
-            </a:fontRef>
-          </p:style>
-          <p:txBody>
-            <a:bodyPr rtlCol="0" anchor="ctr"/>
-            <a:lstStyle/>
-            <a:p>
-              <a:pPr algn="ctr"/>
-              <a:endParaRPr lang="en-SG"/>
-            </a:p>
-          </p:txBody>
-        </p:sp>
-      </p:grpSp>
+          <a:prstGeom prst="rect">
+            <a:avLst/>
+          </a:prstGeom>
+        </p:spPr>
+      </p:pic>
+      <p:sp>
+        <p:nvSpPr>
+          <p:cNvPr id="7" name="TextBox 6">
+            <a:extLst>
+              <a:ext uri="{FF2B5EF4-FFF2-40B4-BE49-F238E27FC236}">
+                <a16:creationId xmlns:a16="http://schemas.microsoft.com/office/drawing/2014/main" id="{7A204B77-DB19-44AC-B9D4-FD866571438D}"/>
+              </a:ext>
+            </a:extLst>
+          </p:cNvPr>
+          <p:cNvSpPr txBox="1"/>
+          <p:nvPr/>
+        </p:nvSpPr>
+        <p:spPr>
+          <a:xfrm>
+            <a:off x="4287819" y="3808767"/>
+            <a:ext cx="739306" cy="369332"/>
+          </a:xfrm>
+          <a:prstGeom prst="rect">
+            <a:avLst/>
+          </a:prstGeom>
+          <a:noFill/>
+        </p:spPr>
+        <p:txBody>
+          <a:bodyPr wrap="none" rtlCol="0">
+            <a:spAutoFit/>
+          </a:bodyPr>
+          <a:lstStyle/>
+          <a:p>
+            <a:pPr algn="ctr"/>
+            <a:r>
+              <a:rPr lang="en-SG" b="1" dirty="0"/>
+              <a:t>Ramp</a:t>
+            </a:r>
+          </a:p>
+        </p:txBody>
+      </p:sp>
+      <p:sp>
+        <p:nvSpPr>
+          <p:cNvPr id="8" name="Arrow: Down 7">
+            <a:extLst>
+              <a:ext uri="{FF2B5EF4-FFF2-40B4-BE49-F238E27FC236}">
+                <a16:creationId xmlns:a16="http://schemas.microsoft.com/office/drawing/2014/main" id="{E70E593E-34F8-4719-AC5C-AA5555C17A19}"/>
+              </a:ext>
+            </a:extLst>
+          </p:cNvPr>
+          <p:cNvSpPr/>
+          <p:nvPr/>
+        </p:nvSpPr>
+        <p:spPr>
+          <a:xfrm>
+            <a:off x="8491803" y="-601935"/>
+            <a:ext cx="517237" cy="554182"/>
+          </a:xfrm>
+          <a:prstGeom prst="downArrow">
+            <a:avLst/>
+          </a:prstGeom>
+          <a:noFill/>
+          <a:ln w="38100">
+            <a:solidFill>
+              <a:schemeClr val="tx1"/>
+            </a:solidFill>
+          </a:ln>
+        </p:spPr>
+        <p:style>
+          <a:lnRef idx="2">
+            <a:schemeClr val="accent1">
+              <a:shade val="50000"/>
+            </a:schemeClr>
+          </a:lnRef>
+          <a:fillRef idx="1">
+            <a:schemeClr val="accent1"/>
+          </a:fillRef>
+          <a:effectRef idx="0">
+            <a:schemeClr val="accent1"/>
+          </a:effectRef>
+          <a:fontRef idx="minor">
+            <a:schemeClr val="lt1"/>
+          </a:fontRef>
+        </p:style>
+        <p:txBody>
+          <a:bodyPr rtlCol="0" anchor="ctr"/>
+          <a:lstStyle/>
+          <a:p>
+            <a:pPr algn="ctr"/>
+            <a:endParaRPr lang="en-SG"/>
+          </a:p>
+        </p:txBody>
+      </p:sp>
+      <p:sp>
+        <p:nvSpPr>
+          <p:cNvPr id="9" name="TextBox 8">
+            <a:extLst>
+              <a:ext uri="{FF2B5EF4-FFF2-40B4-BE49-F238E27FC236}">
+                <a16:creationId xmlns:a16="http://schemas.microsoft.com/office/drawing/2014/main" id="{E5951C4D-2615-492C-8B4C-6400FC79A33D}"/>
+              </a:ext>
+            </a:extLst>
+          </p:cNvPr>
+          <p:cNvSpPr txBox="1"/>
+          <p:nvPr/>
+        </p:nvSpPr>
+        <p:spPr>
+          <a:xfrm>
+            <a:off x="8125734" y="-971267"/>
+            <a:ext cx="1249381" cy="369332"/>
+          </a:xfrm>
+          <a:prstGeom prst="rect">
+            <a:avLst/>
+          </a:prstGeom>
+          <a:noFill/>
+        </p:spPr>
+        <p:txBody>
+          <a:bodyPr wrap="none" rtlCol="0">
+            <a:spAutoFit/>
+          </a:bodyPr>
+          <a:lstStyle/>
+          <a:p>
+            <a:pPr algn="ctr"/>
+            <a:r>
+              <a:rPr lang="en-SG" b="1" dirty="0"/>
+              <a:t>Code Panel</a:t>
+            </a:r>
+          </a:p>
+        </p:txBody>
+      </p:sp>
+      <p:sp>
+        <p:nvSpPr>
+          <p:cNvPr id="10" name="Arrow: Down 9">
+            <a:extLst>
+              <a:ext uri="{FF2B5EF4-FFF2-40B4-BE49-F238E27FC236}">
+                <a16:creationId xmlns:a16="http://schemas.microsoft.com/office/drawing/2014/main" id="{4B5FA1E7-2641-418D-9855-87AEAC7ED7B2}"/>
+              </a:ext>
+            </a:extLst>
+          </p:cNvPr>
+          <p:cNvSpPr/>
+          <p:nvPr/>
+        </p:nvSpPr>
+        <p:spPr>
+          <a:xfrm rot="5400000">
+            <a:off x="1380646" y="4464352"/>
+            <a:ext cx="517237" cy="554182"/>
+          </a:xfrm>
+          <a:prstGeom prst="downArrow">
+            <a:avLst/>
+          </a:prstGeom>
+          <a:noFill/>
+          <a:ln w="38100">
+            <a:solidFill>
+              <a:schemeClr val="tx1"/>
+            </a:solidFill>
+          </a:ln>
+        </p:spPr>
+        <p:style>
+          <a:lnRef idx="2">
+            <a:schemeClr val="accent1">
+              <a:shade val="50000"/>
+            </a:schemeClr>
+          </a:lnRef>
+          <a:fillRef idx="1">
+            <a:schemeClr val="accent1"/>
+          </a:fillRef>
+          <a:effectRef idx="0">
+            <a:schemeClr val="accent1"/>
+          </a:effectRef>
+          <a:fontRef idx="minor">
+            <a:schemeClr val="lt1"/>
+          </a:fontRef>
+        </p:style>
+        <p:txBody>
+          <a:bodyPr rtlCol="0" anchor="ctr"/>
+          <a:lstStyle/>
+          <a:p>
+            <a:pPr algn="ctr"/>
+            <a:endParaRPr lang="en-SG"/>
+          </a:p>
+        </p:txBody>
+      </p:sp>
+      <p:sp>
+        <p:nvSpPr>
+          <p:cNvPr id="11" name="TextBox 10">
+            <a:extLst>
+              <a:ext uri="{FF2B5EF4-FFF2-40B4-BE49-F238E27FC236}">
+                <a16:creationId xmlns:a16="http://schemas.microsoft.com/office/drawing/2014/main" id="{A0C18F20-A329-4A19-9568-DDF540B86597}"/>
+              </a:ext>
+            </a:extLst>
+          </p:cNvPr>
+          <p:cNvSpPr txBox="1"/>
+          <p:nvPr/>
+        </p:nvSpPr>
+        <p:spPr>
+          <a:xfrm>
+            <a:off x="1916356" y="4556777"/>
+            <a:ext cx="1777538" cy="369332"/>
+          </a:xfrm>
+          <a:prstGeom prst="rect">
+            <a:avLst/>
+          </a:prstGeom>
+          <a:noFill/>
+        </p:spPr>
+        <p:txBody>
+          <a:bodyPr wrap="none" rtlCol="0">
+            <a:spAutoFit/>
+          </a:bodyPr>
+          <a:lstStyle/>
+          <a:p>
+            <a:pPr algn="ctr"/>
+            <a:r>
+              <a:rPr lang="en-SG" b="1" dirty="0"/>
+              <a:t>Contribution Bar</a:t>
+            </a:r>
+          </a:p>
+        </p:txBody>
+      </p:sp>
+      <p:sp>
+        <p:nvSpPr>
+          <p:cNvPr id="13" name="Arrow: Down 12">
+            <a:extLst>
+              <a:ext uri="{FF2B5EF4-FFF2-40B4-BE49-F238E27FC236}">
+                <a16:creationId xmlns:a16="http://schemas.microsoft.com/office/drawing/2014/main" id="{513B7AA3-D8C6-4818-8677-73EFEDACCEF6}"/>
+              </a:ext>
+            </a:extLst>
+          </p:cNvPr>
+          <p:cNvSpPr/>
+          <p:nvPr/>
+        </p:nvSpPr>
+        <p:spPr>
+          <a:xfrm rot="10800000">
+            <a:off x="4398855" y="3254584"/>
+            <a:ext cx="517237" cy="554182"/>
+          </a:xfrm>
+          <a:prstGeom prst="downArrow">
+            <a:avLst/>
+          </a:prstGeom>
+          <a:noFill/>
+          <a:ln w="38100">
+            <a:solidFill>
+              <a:schemeClr val="tx1"/>
+            </a:solidFill>
+          </a:ln>
+        </p:spPr>
+        <p:style>
+          <a:lnRef idx="2">
+            <a:schemeClr val="accent1">
+              <a:shade val="50000"/>
+            </a:schemeClr>
+          </a:lnRef>
+          <a:fillRef idx="1">
+            <a:schemeClr val="accent1"/>
+          </a:fillRef>
+          <a:effectRef idx="0">
+            <a:schemeClr val="accent1"/>
+          </a:effectRef>
+          <a:fontRef idx="minor">
+            <a:schemeClr val="lt1"/>
+          </a:fontRef>
+        </p:style>
+        <p:txBody>
+          <a:bodyPr rtlCol="0" anchor="ctr"/>
+          <a:lstStyle/>
+          <a:p>
+            <a:pPr algn="ctr"/>
+            <a:endParaRPr lang="en-SG"/>
+          </a:p>
+        </p:txBody>
+      </p:sp>
+      <p:sp>
+        <p:nvSpPr>
+          <p:cNvPr id="14" name="TextBox 13">
+            <a:extLst>
+              <a:ext uri="{FF2B5EF4-FFF2-40B4-BE49-F238E27FC236}">
+                <a16:creationId xmlns:a16="http://schemas.microsoft.com/office/drawing/2014/main" id="{61C6FB55-A0EF-4B70-9579-2E3633BAB17C}"/>
+              </a:ext>
+            </a:extLst>
+          </p:cNvPr>
+          <p:cNvSpPr txBox="1"/>
+          <p:nvPr/>
+        </p:nvSpPr>
+        <p:spPr>
+          <a:xfrm>
+            <a:off x="-199157" y="-226763"/>
+            <a:ext cx="900503" cy="369332"/>
+          </a:xfrm>
+          <a:prstGeom prst="rect">
+            <a:avLst/>
+          </a:prstGeom>
+          <a:noFill/>
+        </p:spPr>
+        <p:txBody>
+          <a:bodyPr wrap="none" rtlCol="0">
+            <a:spAutoFit/>
+          </a:bodyPr>
+          <a:lstStyle/>
+          <a:p>
+            <a:pPr algn="ctr"/>
+            <a:r>
+              <a:rPr lang="en-SG" b="1" dirty="0"/>
+              <a:t>Toolbar</a:t>
+            </a:r>
+          </a:p>
+        </p:txBody>
+      </p:sp>
+      <p:sp>
+        <p:nvSpPr>
+          <p:cNvPr id="15" name="Arrow: Down 14">
+            <a:extLst>
+              <a:ext uri="{FF2B5EF4-FFF2-40B4-BE49-F238E27FC236}">
+                <a16:creationId xmlns:a16="http://schemas.microsoft.com/office/drawing/2014/main" id="{C9086935-6371-4258-8020-0D1D97F121AB}"/>
+              </a:ext>
+            </a:extLst>
+          </p:cNvPr>
+          <p:cNvSpPr/>
+          <p:nvPr/>
+        </p:nvSpPr>
+        <p:spPr>
+          <a:xfrm rot="16200000">
+            <a:off x="-7523" y="124097"/>
+            <a:ext cx="517237" cy="554182"/>
+          </a:xfrm>
+          <a:prstGeom prst="downArrow">
+            <a:avLst/>
+          </a:prstGeom>
+          <a:noFill/>
+          <a:ln w="38100">
+            <a:solidFill>
+              <a:schemeClr val="tx1"/>
+            </a:solidFill>
+          </a:ln>
+        </p:spPr>
+        <p:style>
+          <a:lnRef idx="2">
+            <a:schemeClr val="accent1">
+              <a:shade val="50000"/>
+            </a:schemeClr>
+          </a:lnRef>
+          <a:fillRef idx="1">
+            <a:schemeClr val="accent1"/>
+          </a:fillRef>
+          <a:effectRef idx="0">
+            <a:schemeClr val="accent1"/>
+          </a:effectRef>
+          <a:fontRef idx="minor">
+            <a:schemeClr val="lt1"/>
+          </a:fontRef>
+        </p:style>
+        <p:txBody>
+          <a:bodyPr rtlCol="0" anchor="ctr"/>
+          <a:lstStyle/>
+          <a:p>
+            <a:pPr algn="ctr"/>
+            <a:endParaRPr lang="en-SG"/>
+          </a:p>
+        </p:txBody>
+      </p:sp>
+      <p:sp>
+        <p:nvSpPr>
+          <p:cNvPr id="12" name="Arrow: Down 11">
+            <a:extLst>
+              <a:ext uri="{FF2B5EF4-FFF2-40B4-BE49-F238E27FC236}">
+                <a16:creationId xmlns:a16="http://schemas.microsoft.com/office/drawing/2014/main" id="{6E5DA74A-713D-4962-8BB0-EB6D058497FA}"/>
+              </a:ext>
+            </a:extLst>
+          </p:cNvPr>
+          <p:cNvSpPr/>
+          <p:nvPr/>
+        </p:nvSpPr>
+        <p:spPr>
+          <a:xfrm>
+            <a:off x="2561512" y="-601935"/>
+            <a:ext cx="517237" cy="554182"/>
+          </a:xfrm>
+          <a:prstGeom prst="downArrow">
+            <a:avLst/>
+          </a:prstGeom>
+          <a:noFill/>
+          <a:ln w="38100">
+            <a:solidFill>
+              <a:schemeClr val="tx1"/>
+            </a:solidFill>
+          </a:ln>
+        </p:spPr>
+        <p:style>
+          <a:lnRef idx="2">
+            <a:schemeClr val="accent1">
+              <a:shade val="50000"/>
+            </a:schemeClr>
+          </a:lnRef>
+          <a:fillRef idx="1">
+            <a:schemeClr val="accent1"/>
+          </a:fillRef>
+          <a:effectRef idx="0">
+            <a:schemeClr val="accent1"/>
+          </a:effectRef>
+          <a:fontRef idx="minor">
+            <a:schemeClr val="lt1"/>
+          </a:fontRef>
+        </p:style>
+        <p:txBody>
+          <a:bodyPr rtlCol="0" anchor="ctr"/>
+          <a:lstStyle/>
+          <a:p>
+            <a:pPr algn="ctr"/>
+            <a:endParaRPr lang="en-SG"/>
+          </a:p>
+        </p:txBody>
+      </p:sp>
+      <p:sp>
+        <p:nvSpPr>
+          <p:cNvPr id="17" name="TextBox 16">
+            <a:extLst>
+              <a:ext uri="{FF2B5EF4-FFF2-40B4-BE49-F238E27FC236}">
+                <a16:creationId xmlns:a16="http://schemas.microsoft.com/office/drawing/2014/main" id="{6ADBC469-4AA9-4B94-927B-3BC4FF0DB4CD}"/>
+              </a:ext>
+            </a:extLst>
+          </p:cNvPr>
+          <p:cNvSpPr txBox="1"/>
+          <p:nvPr/>
+        </p:nvSpPr>
+        <p:spPr>
+          <a:xfrm>
+            <a:off x="2177009" y="-971267"/>
+            <a:ext cx="1286250" cy="369332"/>
+          </a:xfrm>
+          <a:prstGeom prst="rect">
+            <a:avLst/>
+          </a:prstGeom>
+          <a:noFill/>
+        </p:spPr>
+        <p:txBody>
+          <a:bodyPr wrap="none" rtlCol="0">
+            <a:spAutoFit/>
+          </a:bodyPr>
+          <a:lstStyle/>
+          <a:p>
+            <a:pPr algn="ctr"/>
+            <a:r>
+              <a:rPr lang="en-SG" b="1" dirty="0"/>
+              <a:t>Chart Panel</a:t>
+            </a:r>
+          </a:p>
+        </p:txBody>
+      </p:sp>
+      <p:sp>
+        <p:nvSpPr>
+          <p:cNvPr id="16" name="TextBox 15">
+            <a:extLst>
+              <a:ext uri="{FF2B5EF4-FFF2-40B4-BE49-F238E27FC236}">
+                <a16:creationId xmlns:a16="http://schemas.microsoft.com/office/drawing/2014/main" id="{90DD3F11-A181-4D6B-B39E-4679AA9A63BD}"/>
+              </a:ext>
+            </a:extLst>
+          </p:cNvPr>
+          <p:cNvSpPr txBox="1"/>
+          <p:nvPr/>
+        </p:nvSpPr>
+        <p:spPr>
+          <a:xfrm>
+            <a:off x="-1791948" y="2163328"/>
+            <a:ext cx="1313181" cy="369332"/>
+          </a:xfrm>
+          <a:prstGeom prst="rect">
+            <a:avLst/>
+          </a:prstGeom>
+          <a:noFill/>
+        </p:spPr>
+        <p:txBody>
+          <a:bodyPr wrap="square" rtlCol="0">
+            <a:spAutoFit/>
+          </a:bodyPr>
+          <a:lstStyle/>
+          <a:p>
+            <a:pPr algn="ctr"/>
+            <a:r>
+              <a:rPr lang="en-SG" b="1" dirty="0"/>
+              <a:t>Ramp Chart</a:t>
+            </a:r>
+          </a:p>
+        </p:txBody>
+      </p:sp>
+      <p:sp>
+        <p:nvSpPr>
+          <p:cNvPr id="18" name="Arrow: Down 17">
+            <a:extLst>
+              <a:ext uri="{FF2B5EF4-FFF2-40B4-BE49-F238E27FC236}">
+                <a16:creationId xmlns:a16="http://schemas.microsoft.com/office/drawing/2014/main" id="{0D427F96-5B4B-48FA-B69F-000E5460CBF1}"/>
+              </a:ext>
+            </a:extLst>
+          </p:cNvPr>
+          <p:cNvSpPr/>
+          <p:nvPr/>
+        </p:nvSpPr>
+        <p:spPr>
+          <a:xfrm rot="16200000">
+            <a:off x="-460294" y="2070903"/>
+            <a:ext cx="517237" cy="554182"/>
+          </a:xfrm>
+          <a:prstGeom prst="downArrow">
+            <a:avLst/>
+          </a:prstGeom>
+          <a:noFill/>
+          <a:ln w="38100">
+            <a:solidFill>
+              <a:schemeClr val="tx1"/>
+            </a:solidFill>
+          </a:ln>
+        </p:spPr>
+        <p:style>
+          <a:lnRef idx="2">
+            <a:schemeClr val="accent1">
+              <a:shade val="50000"/>
+            </a:schemeClr>
+          </a:lnRef>
+          <a:fillRef idx="1">
+            <a:schemeClr val="accent1"/>
+          </a:fillRef>
+          <a:effectRef idx="0">
+            <a:schemeClr val="accent1"/>
+          </a:effectRef>
+          <a:fontRef idx="minor">
+            <a:schemeClr val="lt1"/>
+          </a:fontRef>
+        </p:style>
+        <p:txBody>
+          <a:bodyPr rtlCol="0" anchor="ctr"/>
+          <a:lstStyle/>
+          <a:p>
+            <a:pPr algn="ctr"/>
+            <a:endParaRPr lang="en-SG"/>
+          </a:p>
+        </p:txBody>
+      </p:sp>
     </p:spTree>
     <p:extLst>
       <p:ext uri="{BB962C8B-B14F-4D97-AF65-F5344CB8AC3E}">

--- a/docs/diagrams/ug-report.pptx
+++ b/docs/diagrams/ug-report.pptx
@@ -3349,10 +3349,10 @@
       </p:grpSpPr>
       <p:pic>
         <p:nvPicPr>
-          <p:cNvPr id="19" name="图片 18">
-            <a:extLst>
-              <a:ext uri="{FF2B5EF4-FFF2-40B4-BE49-F238E27FC236}">
-                <a16:creationId xmlns:a16="http://schemas.microsoft.com/office/drawing/2014/main" id="{79A7967F-D05C-423D-BDAE-55E1504B59B5}"/>
+          <p:cNvPr id="4" name="图片 3">
+            <a:extLst>
+              <a:ext uri="{FF2B5EF4-FFF2-40B4-BE49-F238E27FC236}">
+                <a16:creationId xmlns:a16="http://schemas.microsoft.com/office/drawing/2014/main" id="{790658E2-4B72-4B10-AE63-A77734D25760}"/>
               </a:ext>
             </a:extLst>
           </p:cNvPr>
@@ -3361,7 +3361,7 @@
           </p:cNvPicPr>
           <p:nvPr/>
         </p:nvPicPr>
-        <p:blipFill rotWithShape="1">
+        <p:blipFill>
           <a:blip r:embed="rId2">
             <a:extLst>
               <a:ext uri="{28A0092B-C50C-407E-A947-70E740481C1C}">
@@ -3369,13 +3369,14 @@
               </a:ext>
             </a:extLst>
           </a:blip>
-          <a:srcRect l="-90" t="1650" r="122"/>
-          <a:stretch/>
+          <a:stretch>
+            <a:fillRect/>
+          </a:stretch>
         </p:blipFill>
         <p:spPr>
           <a:xfrm>
-            <a:off x="0" y="0"/>
-            <a:ext cx="12217996" cy="5618374"/>
+            <a:off x="548207" y="0"/>
+            <a:ext cx="9728068" cy="5302028"/>
           </a:xfrm>
           <a:prstGeom prst="rect">
             <a:avLst/>
@@ -3396,7 +3397,7 @@
         </p:nvSpPr>
         <p:spPr>
           <a:xfrm>
-            <a:off x="4287819" y="3808767"/>
+            <a:off x="3901320" y="3554244"/>
             <a:ext cx="739306" cy="369332"/>
           </a:xfrm>
           <a:prstGeom prst="rect">
@@ -3432,7 +3433,7 @@
         </p:nvSpPr>
         <p:spPr>
           <a:xfrm>
-            <a:off x="8491803" y="-601935"/>
+            <a:off x="7530269" y="-591128"/>
             <a:ext cx="517237" cy="554182"/>
           </a:xfrm>
           <a:prstGeom prst="downArrow">
@@ -3484,7 +3485,7 @@
         </p:nvSpPr>
         <p:spPr>
           <a:xfrm>
-            <a:off x="8125734" y="-971267"/>
+            <a:off x="7164200" y="-960460"/>
             <a:ext cx="1249381" cy="369332"/>
           </a:xfrm>
           <a:prstGeom prst="rect">
@@ -3520,7 +3521,7 @@
         </p:nvSpPr>
         <p:spPr>
           <a:xfrm rot="5400000">
-            <a:off x="1380646" y="4464352"/>
+            <a:off x="1699108" y="4089954"/>
             <a:ext cx="517237" cy="554182"/>
           </a:xfrm>
           <a:prstGeom prst="downArrow">
@@ -3572,7 +3573,7 @@
         </p:nvSpPr>
         <p:spPr>
           <a:xfrm>
-            <a:off x="1916356" y="4556777"/>
+            <a:off x="2234818" y="4182379"/>
             <a:ext cx="1777538" cy="369332"/>
           </a:xfrm>
           <a:prstGeom prst="rect">
@@ -3608,7 +3609,7 @@
         </p:nvSpPr>
         <p:spPr>
           <a:xfrm rot="10800000">
-            <a:off x="4398855" y="3254584"/>
+            <a:off x="4012356" y="3000061"/>
             <a:ext cx="517237" cy="554182"/>
           </a:xfrm>
           <a:prstGeom prst="downArrow">
@@ -3836,7 +3837,7 @@
         </p:nvSpPr>
         <p:spPr>
           <a:xfrm>
-            <a:off x="-1791948" y="2163328"/>
+            <a:off x="-1313181" y="1899377"/>
             <a:ext cx="1313181" cy="369332"/>
           </a:xfrm>
           <a:prstGeom prst="rect">
@@ -3872,7 +3873,7 @@
         </p:nvSpPr>
         <p:spPr>
           <a:xfrm rot="16200000">
-            <a:off x="-460294" y="2070903"/>
+            <a:off x="18473" y="1806952"/>
             <a:ext cx="517237" cy="554182"/>
           </a:xfrm>
           <a:prstGeom prst="downArrow">

--- a/docs/diagrams/ug-report.pptx
+++ b/docs/diagrams/ug-report.pptx
@@ -261,7 +261,7 @@
           <a:p>
             <a:fld id="{D5F4EE06-143D-4C2F-8831-1CDA21FFE47B}" type="datetimeFigureOut">
               <a:rPr lang="en-SG" smtClean="0"/>
-              <a:t>14/9/2018</a:t>
+              <a:t>20/12/2018</a:t>
             </a:fld>
             <a:endParaRPr lang="en-SG"/>
           </a:p>
@@ -461,7 +461,7 @@
           <a:p>
             <a:fld id="{D5F4EE06-143D-4C2F-8831-1CDA21FFE47B}" type="datetimeFigureOut">
               <a:rPr lang="en-SG" smtClean="0"/>
-              <a:t>14/9/2018</a:t>
+              <a:t>20/12/2018</a:t>
             </a:fld>
             <a:endParaRPr lang="en-SG"/>
           </a:p>
@@ -671,7 +671,7 @@
           <a:p>
             <a:fld id="{D5F4EE06-143D-4C2F-8831-1CDA21FFE47B}" type="datetimeFigureOut">
               <a:rPr lang="en-SG" smtClean="0"/>
-              <a:t>14/9/2018</a:t>
+              <a:t>20/12/2018</a:t>
             </a:fld>
             <a:endParaRPr lang="en-SG"/>
           </a:p>
@@ -871,7 +871,7 @@
           <a:p>
             <a:fld id="{D5F4EE06-143D-4C2F-8831-1CDA21FFE47B}" type="datetimeFigureOut">
               <a:rPr lang="en-SG" smtClean="0"/>
-              <a:t>14/9/2018</a:t>
+              <a:t>20/12/2018</a:t>
             </a:fld>
             <a:endParaRPr lang="en-SG"/>
           </a:p>
@@ -1147,7 +1147,7 @@
           <a:p>
             <a:fld id="{D5F4EE06-143D-4C2F-8831-1CDA21FFE47B}" type="datetimeFigureOut">
               <a:rPr lang="en-SG" smtClean="0"/>
-              <a:t>14/9/2018</a:t>
+              <a:t>20/12/2018</a:t>
             </a:fld>
             <a:endParaRPr lang="en-SG"/>
           </a:p>
@@ -1415,7 +1415,7 @@
           <a:p>
             <a:fld id="{D5F4EE06-143D-4C2F-8831-1CDA21FFE47B}" type="datetimeFigureOut">
               <a:rPr lang="en-SG" smtClean="0"/>
-              <a:t>14/9/2018</a:t>
+              <a:t>20/12/2018</a:t>
             </a:fld>
             <a:endParaRPr lang="en-SG"/>
           </a:p>
@@ -1830,7 +1830,7 @@
           <a:p>
             <a:fld id="{D5F4EE06-143D-4C2F-8831-1CDA21FFE47B}" type="datetimeFigureOut">
               <a:rPr lang="en-SG" smtClean="0"/>
-              <a:t>14/9/2018</a:t>
+              <a:t>20/12/2018</a:t>
             </a:fld>
             <a:endParaRPr lang="en-SG"/>
           </a:p>
@@ -1972,7 +1972,7 @@
           <a:p>
             <a:fld id="{D5F4EE06-143D-4C2F-8831-1CDA21FFE47B}" type="datetimeFigureOut">
               <a:rPr lang="en-SG" smtClean="0"/>
-              <a:t>14/9/2018</a:t>
+              <a:t>20/12/2018</a:t>
             </a:fld>
             <a:endParaRPr lang="en-SG"/>
           </a:p>
@@ -2085,7 +2085,7 @@
           <a:p>
             <a:fld id="{D5F4EE06-143D-4C2F-8831-1CDA21FFE47B}" type="datetimeFigureOut">
               <a:rPr lang="en-SG" smtClean="0"/>
-              <a:t>14/9/2018</a:t>
+              <a:t>20/12/2018</a:t>
             </a:fld>
             <a:endParaRPr lang="en-SG"/>
           </a:p>
@@ -2398,7 +2398,7 @@
           <a:p>
             <a:fld id="{D5F4EE06-143D-4C2F-8831-1CDA21FFE47B}" type="datetimeFigureOut">
               <a:rPr lang="en-SG" smtClean="0"/>
-              <a:t>14/9/2018</a:t>
+              <a:t>20/12/2018</a:t>
             </a:fld>
             <a:endParaRPr lang="en-SG"/>
           </a:p>
@@ -2687,7 +2687,7 @@
           <a:p>
             <a:fld id="{D5F4EE06-143D-4C2F-8831-1CDA21FFE47B}" type="datetimeFigureOut">
               <a:rPr lang="en-SG" smtClean="0"/>
-              <a:t>14/9/2018</a:t>
+              <a:t>20/12/2018</a:t>
             </a:fld>
             <a:endParaRPr lang="en-SG"/>
           </a:p>
@@ -2930,7 +2930,7 @@
           <a:p>
             <a:fld id="{D5F4EE06-143D-4C2F-8831-1CDA21FFE47B}" type="datetimeFigureOut">
               <a:rPr lang="en-SG" smtClean="0"/>
-              <a:t>14/9/2018</a:t>
+              <a:t>20/12/2018</a:t>
             </a:fld>
             <a:endParaRPr lang="en-SG"/>
           </a:p>
@@ -3347,585 +3347,570 @@
           <a:chExt cx="0" cy="0"/>
         </a:xfrm>
       </p:grpSpPr>
-      <p:grpSp>
-        <p:nvGrpSpPr>
-          <p:cNvPr id="5" name="Group 4">
-            <a:extLst>
-              <a:ext uri="{FF2B5EF4-FFF2-40B4-BE49-F238E27FC236}">
-                <a16:creationId xmlns:a16="http://schemas.microsoft.com/office/drawing/2014/main" id="{B43A44B9-3612-4150-A44E-2A7BACC2B045}"/>
-              </a:ext>
-            </a:extLst>
-          </p:cNvPr>
-          <p:cNvGrpSpPr/>
+      <p:pic>
+        <p:nvPicPr>
+          <p:cNvPr id="4" name="图片 3">
+            <a:extLst>
+              <a:ext uri="{FF2B5EF4-FFF2-40B4-BE49-F238E27FC236}">
+                <a16:creationId xmlns:a16="http://schemas.microsoft.com/office/drawing/2014/main" id="{790658E2-4B72-4B10-AE63-A77734D25760}"/>
+              </a:ext>
+            </a:extLst>
+          </p:cNvPr>
+          <p:cNvPicPr>
+            <a:picLocks noChangeAspect="1"/>
+          </p:cNvPicPr>
           <p:nvPr/>
-        </p:nvGrpSpPr>
-        <p:grpSpPr>
+        </p:nvPicPr>
+        <p:blipFill>
+          <a:blip r:embed="rId2">
+            <a:extLst>
+              <a:ext uri="{28A0092B-C50C-407E-A947-70E740481C1C}">
+                <a14:useLocalDpi xmlns:a14="http://schemas.microsoft.com/office/drawing/2010/main" val="0"/>
+              </a:ext>
+            </a:extLst>
+          </a:blip>
+          <a:stretch>
+            <a:fillRect/>
+          </a:stretch>
+        </p:blipFill>
+        <p:spPr>
           <a:xfrm>
-            <a:off x="-1755436" y="-957072"/>
-            <a:ext cx="13947436" cy="7815072"/>
-            <a:chOff x="-1755436" y="-957072"/>
-            <a:chExt cx="13947436" cy="7815072"/>
+            <a:off x="548207" y="0"/>
+            <a:ext cx="9728068" cy="5302028"/>
           </a:xfrm>
-        </p:grpSpPr>
-        <p:pic>
-          <p:nvPicPr>
-            <p:cNvPr id="4" name="Picture 3">
-              <a:extLst>
-                <a:ext uri="{FF2B5EF4-FFF2-40B4-BE49-F238E27FC236}">
-                  <a16:creationId xmlns:a16="http://schemas.microsoft.com/office/drawing/2014/main" id="{A49FF059-87F9-431D-873B-567890A47D18}"/>
-                </a:ext>
-              </a:extLst>
-            </p:cNvPr>
-            <p:cNvPicPr>
-              <a:picLocks noChangeAspect="1"/>
-            </p:cNvPicPr>
-            <p:nvPr/>
-          </p:nvPicPr>
-          <p:blipFill>
-            <a:blip r:embed="rId2"/>
-            <a:stretch>
-              <a:fillRect/>
-            </a:stretch>
-          </p:blipFill>
-          <p:spPr>
-            <a:xfrm>
-              <a:off x="0" y="0"/>
-              <a:ext cx="12192000" cy="6858000"/>
-            </a:xfrm>
-            <a:prstGeom prst="rect">
-              <a:avLst/>
-            </a:prstGeom>
-          </p:spPr>
-        </p:pic>
-        <p:sp>
-          <p:nvSpPr>
-            <p:cNvPr id="7" name="TextBox 6">
-              <a:extLst>
-                <a:ext uri="{FF2B5EF4-FFF2-40B4-BE49-F238E27FC236}">
-                  <a16:creationId xmlns:a16="http://schemas.microsoft.com/office/drawing/2014/main" id="{7A204B77-DB19-44AC-B9D4-FD866571438D}"/>
-                </a:ext>
-              </a:extLst>
-            </p:cNvPr>
-            <p:cNvSpPr txBox="1"/>
-            <p:nvPr/>
-          </p:nvSpPr>
-          <p:spPr>
-            <a:xfrm>
-              <a:off x="4646037" y="4094050"/>
-              <a:ext cx="739306" cy="369332"/>
-            </a:xfrm>
-            <a:prstGeom prst="rect">
-              <a:avLst/>
-            </a:prstGeom>
-            <a:noFill/>
-          </p:spPr>
-          <p:txBody>
-            <a:bodyPr wrap="none" rtlCol="0">
-              <a:spAutoFit/>
-            </a:bodyPr>
-            <a:lstStyle/>
-            <a:p>
-              <a:pPr algn="ctr"/>
-              <a:r>
-                <a:rPr lang="en-SG" b="1" dirty="0"/>
-                <a:t>Ramp</a:t>
-              </a:r>
-            </a:p>
-          </p:txBody>
-        </p:sp>
-        <p:sp>
-          <p:nvSpPr>
-            <p:cNvPr id="8" name="Arrow: Down 7">
-              <a:extLst>
-                <a:ext uri="{FF2B5EF4-FFF2-40B4-BE49-F238E27FC236}">
-                  <a16:creationId xmlns:a16="http://schemas.microsoft.com/office/drawing/2014/main" id="{E70E593E-34F8-4719-AC5C-AA5555C17A19}"/>
-                </a:ext>
-              </a:extLst>
-            </p:cNvPr>
-            <p:cNvSpPr/>
-            <p:nvPr/>
-          </p:nvSpPr>
-          <p:spPr>
-            <a:xfrm>
-              <a:off x="9057411" y="-587740"/>
-              <a:ext cx="517237" cy="554182"/>
-            </a:xfrm>
-            <a:prstGeom prst="downArrow">
-              <a:avLst/>
-            </a:prstGeom>
-            <a:noFill/>
-            <a:ln w="38100">
-              <a:solidFill>
-                <a:schemeClr val="tx1"/>
-              </a:solidFill>
-            </a:ln>
-          </p:spPr>
-          <p:style>
-            <a:lnRef idx="2">
-              <a:schemeClr val="accent1">
-                <a:shade val="50000"/>
-              </a:schemeClr>
-            </a:lnRef>
-            <a:fillRef idx="1">
-              <a:schemeClr val="accent1"/>
-            </a:fillRef>
-            <a:effectRef idx="0">
-              <a:schemeClr val="accent1"/>
-            </a:effectRef>
-            <a:fontRef idx="minor">
-              <a:schemeClr val="lt1"/>
-            </a:fontRef>
-          </p:style>
-          <p:txBody>
-            <a:bodyPr rtlCol="0" anchor="ctr"/>
-            <a:lstStyle/>
-            <a:p>
-              <a:pPr algn="ctr"/>
-              <a:endParaRPr lang="en-SG"/>
-            </a:p>
-          </p:txBody>
-        </p:sp>
-        <p:sp>
-          <p:nvSpPr>
-            <p:cNvPr id="9" name="TextBox 8">
-              <a:extLst>
-                <a:ext uri="{FF2B5EF4-FFF2-40B4-BE49-F238E27FC236}">
-                  <a16:creationId xmlns:a16="http://schemas.microsoft.com/office/drawing/2014/main" id="{E5951C4D-2615-492C-8B4C-6400FC79A33D}"/>
-                </a:ext>
-              </a:extLst>
-            </p:cNvPr>
-            <p:cNvSpPr txBox="1"/>
-            <p:nvPr/>
-          </p:nvSpPr>
-          <p:spPr>
-            <a:xfrm>
-              <a:off x="8691342" y="-957072"/>
-              <a:ext cx="1249381" cy="369332"/>
-            </a:xfrm>
-            <a:prstGeom prst="rect">
-              <a:avLst/>
-            </a:prstGeom>
-            <a:noFill/>
-          </p:spPr>
-          <p:txBody>
-            <a:bodyPr wrap="none" rtlCol="0">
-              <a:spAutoFit/>
-            </a:bodyPr>
-            <a:lstStyle/>
-            <a:p>
-              <a:pPr algn="ctr"/>
-              <a:r>
-                <a:rPr lang="en-SG" b="1" dirty="0"/>
-                <a:t>Code Panel</a:t>
-              </a:r>
-            </a:p>
-          </p:txBody>
-        </p:sp>
-        <p:sp>
-          <p:nvSpPr>
-            <p:cNvPr id="10" name="Arrow: Down 9">
-              <a:extLst>
-                <a:ext uri="{FF2B5EF4-FFF2-40B4-BE49-F238E27FC236}">
-                  <a16:creationId xmlns:a16="http://schemas.microsoft.com/office/drawing/2014/main" id="{4B5FA1E7-2641-418D-9855-87AEAC7ED7B2}"/>
-                </a:ext>
-              </a:extLst>
-            </p:cNvPr>
-            <p:cNvSpPr/>
-            <p:nvPr/>
-          </p:nvSpPr>
-          <p:spPr>
-            <a:xfrm rot="5400000">
-              <a:off x="2304472" y="4992254"/>
-              <a:ext cx="517237" cy="554182"/>
-            </a:xfrm>
-            <a:prstGeom prst="downArrow">
-              <a:avLst/>
-            </a:prstGeom>
-            <a:noFill/>
-            <a:ln w="38100">
-              <a:solidFill>
-                <a:schemeClr val="tx1"/>
-              </a:solidFill>
-            </a:ln>
-          </p:spPr>
-          <p:style>
-            <a:lnRef idx="2">
-              <a:schemeClr val="accent1">
-                <a:shade val="50000"/>
-              </a:schemeClr>
-            </a:lnRef>
-            <a:fillRef idx="1">
-              <a:schemeClr val="accent1"/>
-            </a:fillRef>
-            <a:effectRef idx="0">
-              <a:schemeClr val="accent1"/>
-            </a:effectRef>
-            <a:fontRef idx="minor">
-              <a:schemeClr val="lt1"/>
-            </a:fontRef>
-          </p:style>
-          <p:txBody>
-            <a:bodyPr rtlCol="0" anchor="ctr"/>
-            <a:lstStyle/>
-            <a:p>
-              <a:pPr algn="ctr"/>
-              <a:endParaRPr lang="en-SG"/>
-            </a:p>
-          </p:txBody>
-        </p:sp>
-        <p:sp>
-          <p:nvSpPr>
-            <p:cNvPr id="11" name="TextBox 10">
-              <a:extLst>
-                <a:ext uri="{FF2B5EF4-FFF2-40B4-BE49-F238E27FC236}">
-                  <a16:creationId xmlns:a16="http://schemas.microsoft.com/office/drawing/2014/main" id="{A0C18F20-A329-4A19-9568-DDF540B86597}"/>
-                </a:ext>
-              </a:extLst>
-            </p:cNvPr>
-            <p:cNvSpPr txBox="1"/>
-            <p:nvPr/>
-          </p:nvSpPr>
-          <p:spPr>
-            <a:xfrm>
-              <a:off x="2840182" y="5084679"/>
-              <a:ext cx="1777538" cy="369332"/>
-            </a:xfrm>
-            <a:prstGeom prst="rect">
-              <a:avLst/>
-            </a:prstGeom>
-            <a:noFill/>
-          </p:spPr>
-          <p:txBody>
-            <a:bodyPr wrap="none" rtlCol="0">
-              <a:spAutoFit/>
-            </a:bodyPr>
-            <a:lstStyle/>
-            <a:p>
-              <a:pPr algn="ctr"/>
-              <a:r>
-                <a:rPr lang="en-SG" b="1" dirty="0"/>
-                <a:t>Contribution Bar</a:t>
-              </a:r>
-            </a:p>
-          </p:txBody>
-        </p:sp>
-        <p:sp>
-          <p:nvSpPr>
-            <p:cNvPr id="13" name="Arrow: Down 12">
-              <a:extLst>
-                <a:ext uri="{FF2B5EF4-FFF2-40B4-BE49-F238E27FC236}">
-                  <a16:creationId xmlns:a16="http://schemas.microsoft.com/office/drawing/2014/main" id="{513B7AA3-D8C6-4818-8677-73EFEDACCEF6}"/>
-                </a:ext>
-              </a:extLst>
-            </p:cNvPr>
-            <p:cNvSpPr/>
-            <p:nvPr/>
-          </p:nvSpPr>
-          <p:spPr>
-            <a:xfrm rot="10800000">
-              <a:off x="4757073" y="3539867"/>
-              <a:ext cx="517237" cy="554182"/>
-            </a:xfrm>
-            <a:prstGeom prst="downArrow">
-              <a:avLst/>
-            </a:prstGeom>
-            <a:noFill/>
-            <a:ln w="38100">
-              <a:solidFill>
-                <a:schemeClr val="tx1"/>
-              </a:solidFill>
-            </a:ln>
-          </p:spPr>
-          <p:style>
-            <a:lnRef idx="2">
-              <a:schemeClr val="accent1">
-                <a:shade val="50000"/>
-              </a:schemeClr>
-            </a:lnRef>
-            <a:fillRef idx="1">
-              <a:schemeClr val="accent1"/>
-            </a:fillRef>
-            <a:effectRef idx="0">
-              <a:schemeClr val="accent1"/>
-            </a:effectRef>
-            <a:fontRef idx="minor">
-              <a:schemeClr val="lt1"/>
-            </a:fontRef>
-          </p:style>
-          <p:txBody>
-            <a:bodyPr rtlCol="0" anchor="ctr"/>
-            <a:lstStyle/>
-            <a:p>
-              <a:pPr algn="ctr"/>
-              <a:endParaRPr lang="en-SG"/>
-            </a:p>
-          </p:txBody>
-        </p:sp>
-        <p:sp>
-          <p:nvSpPr>
-            <p:cNvPr id="14" name="TextBox 13">
-              <a:extLst>
-                <a:ext uri="{FF2B5EF4-FFF2-40B4-BE49-F238E27FC236}">
-                  <a16:creationId xmlns:a16="http://schemas.microsoft.com/office/drawing/2014/main" id="{61C6FB55-A0EF-4B70-9579-2E3633BAB17C}"/>
-                </a:ext>
-              </a:extLst>
-            </p:cNvPr>
-            <p:cNvSpPr txBox="1"/>
-            <p:nvPr/>
-          </p:nvSpPr>
-          <p:spPr>
-            <a:xfrm>
-              <a:off x="111927" y="37190"/>
-              <a:ext cx="900503" cy="369332"/>
-            </a:xfrm>
-            <a:prstGeom prst="rect">
-              <a:avLst/>
-            </a:prstGeom>
-            <a:noFill/>
-          </p:spPr>
-          <p:txBody>
-            <a:bodyPr wrap="none" rtlCol="0">
-              <a:spAutoFit/>
-            </a:bodyPr>
-            <a:lstStyle/>
-            <a:p>
-              <a:pPr algn="ctr"/>
-              <a:r>
-                <a:rPr lang="en-SG" b="1" dirty="0"/>
-                <a:t>Toolbar</a:t>
-              </a:r>
-            </a:p>
-          </p:txBody>
-        </p:sp>
-        <p:sp>
-          <p:nvSpPr>
-            <p:cNvPr id="15" name="Arrow: Down 14">
-              <a:extLst>
-                <a:ext uri="{FF2B5EF4-FFF2-40B4-BE49-F238E27FC236}">
-                  <a16:creationId xmlns:a16="http://schemas.microsoft.com/office/drawing/2014/main" id="{C9086935-6371-4258-8020-0D1D97F121AB}"/>
-                </a:ext>
-              </a:extLst>
-            </p:cNvPr>
-            <p:cNvSpPr/>
-            <p:nvPr/>
-          </p:nvSpPr>
-          <p:spPr>
-            <a:xfrm rot="16200000">
-              <a:off x="303561" y="388050"/>
-              <a:ext cx="517237" cy="554182"/>
-            </a:xfrm>
-            <a:prstGeom prst="downArrow">
-              <a:avLst/>
-            </a:prstGeom>
-            <a:noFill/>
-            <a:ln w="38100">
-              <a:solidFill>
-                <a:schemeClr val="tx1"/>
-              </a:solidFill>
-            </a:ln>
-          </p:spPr>
-          <p:style>
-            <a:lnRef idx="2">
-              <a:schemeClr val="accent1">
-                <a:shade val="50000"/>
-              </a:schemeClr>
-            </a:lnRef>
-            <a:fillRef idx="1">
-              <a:schemeClr val="accent1"/>
-            </a:fillRef>
-            <a:effectRef idx="0">
-              <a:schemeClr val="accent1"/>
-            </a:effectRef>
-            <a:fontRef idx="minor">
-              <a:schemeClr val="lt1"/>
-            </a:fontRef>
-          </p:style>
-          <p:txBody>
-            <a:bodyPr rtlCol="0" anchor="ctr"/>
-            <a:lstStyle/>
-            <a:p>
-              <a:pPr algn="ctr"/>
-              <a:endParaRPr lang="en-SG"/>
-            </a:p>
-          </p:txBody>
-        </p:sp>
-        <p:sp>
-          <p:nvSpPr>
-            <p:cNvPr id="12" name="Arrow: Down 11">
-              <a:extLst>
-                <a:ext uri="{FF2B5EF4-FFF2-40B4-BE49-F238E27FC236}">
-                  <a16:creationId xmlns:a16="http://schemas.microsoft.com/office/drawing/2014/main" id="{6E5DA74A-713D-4962-8BB0-EB6D058497FA}"/>
-                </a:ext>
-              </a:extLst>
-            </p:cNvPr>
-            <p:cNvSpPr/>
-            <p:nvPr/>
-          </p:nvSpPr>
-          <p:spPr>
-            <a:xfrm>
-              <a:off x="2875970" y="-587740"/>
-              <a:ext cx="517237" cy="554182"/>
-            </a:xfrm>
-            <a:prstGeom prst="downArrow">
-              <a:avLst/>
-            </a:prstGeom>
-            <a:noFill/>
-            <a:ln w="38100">
-              <a:solidFill>
-                <a:schemeClr val="tx1"/>
-              </a:solidFill>
-            </a:ln>
-          </p:spPr>
-          <p:style>
-            <a:lnRef idx="2">
-              <a:schemeClr val="accent1">
-                <a:shade val="50000"/>
-              </a:schemeClr>
-            </a:lnRef>
-            <a:fillRef idx="1">
-              <a:schemeClr val="accent1"/>
-            </a:fillRef>
-            <a:effectRef idx="0">
-              <a:schemeClr val="accent1"/>
-            </a:effectRef>
-            <a:fontRef idx="minor">
-              <a:schemeClr val="lt1"/>
-            </a:fontRef>
-          </p:style>
-          <p:txBody>
-            <a:bodyPr rtlCol="0" anchor="ctr"/>
-            <a:lstStyle/>
-            <a:p>
-              <a:pPr algn="ctr"/>
-              <a:endParaRPr lang="en-SG"/>
-            </a:p>
-          </p:txBody>
-        </p:sp>
-        <p:sp>
-          <p:nvSpPr>
-            <p:cNvPr id="17" name="TextBox 16">
-              <a:extLst>
-                <a:ext uri="{FF2B5EF4-FFF2-40B4-BE49-F238E27FC236}">
-                  <a16:creationId xmlns:a16="http://schemas.microsoft.com/office/drawing/2014/main" id="{6ADBC469-4AA9-4B94-927B-3BC4FF0DB4CD}"/>
-                </a:ext>
-              </a:extLst>
-            </p:cNvPr>
-            <p:cNvSpPr txBox="1"/>
-            <p:nvPr/>
-          </p:nvSpPr>
-          <p:spPr>
-            <a:xfrm>
-              <a:off x="2491467" y="-957072"/>
-              <a:ext cx="1286250" cy="369332"/>
-            </a:xfrm>
-            <a:prstGeom prst="rect">
-              <a:avLst/>
-            </a:prstGeom>
-            <a:noFill/>
-          </p:spPr>
-          <p:txBody>
-            <a:bodyPr wrap="none" rtlCol="0">
-              <a:spAutoFit/>
-            </a:bodyPr>
-            <a:lstStyle/>
-            <a:p>
-              <a:pPr algn="ctr"/>
-              <a:r>
-                <a:rPr lang="en-SG" b="1" dirty="0"/>
-                <a:t>Chart Panel</a:t>
-              </a:r>
-            </a:p>
-          </p:txBody>
-        </p:sp>
-        <p:sp>
-          <p:nvSpPr>
-            <p:cNvPr id="16" name="TextBox 15">
-              <a:extLst>
-                <a:ext uri="{FF2B5EF4-FFF2-40B4-BE49-F238E27FC236}">
-                  <a16:creationId xmlns:a16="http://schemas.microsoft.com/office/drawing/2014/main" id="{90DD3F11-A181-4D6B-B39E-4679AA9A63BD}"/>
-                </a:ext>
-              </a:extLst>
-            </p:cNvPr>
-            <p:cNvSpPr txBox="1"/>
-            <p:nvPr/>
-          </p:nvSpPr>
-          <p:spPr>
-            <a:xfrm>
-              <a:off x="-1755436" y="3096582"/>
-              <a:ext cx="1313181" cy="369332"/>
-            </a:xfrm>
-            <a:prstGeom prst="rect">
-              <a:avLst/>
-            </a:prstGeom>
-            <a:noFill/>
-          </p:spPr>
-          <p:txBody>
-            <a:bodyPr wrap="none" rtlCol="0">
-              <a:spAutoFit/>
-            </a:bodyPr>
-            <a:lstStyle/>
-            <a:p>
-              <a:pPr algn="ctr"/>
-              <a:r>
-                <a:rPr lang="en-SG" dirty="0"/>
-                <a:t>Ramp Chart</a:t>
-              </a:r>
-            </a:p>
-          </p:txBody>
-        </p:sp>
-        <p:sp>
-          <p:nvSpPr>
-            <p:cNvPr id="18" name="Arrow: Down 17">
-              <a:extLst>
-                <a:ext uri="{FF2B5EF4-FFF2-40B4-BE49-F238E27FC236}">
-                  <a16:creationId xmlns:a16="http://schemas.microsoft.com/office/drawing/2014/main" id="{0D427F96-5B4B-48FA-B69F-000E5460CBF1}"/>
-                </a:ext>
-              </a:extLst>
-            </p:cNvPr>
-            <p:cNvSpPr/>
-            <p:nvPr/>
-          </p:nvSpPr>
-          <p:spPr>
-            <a:xfrm rot="16200000">
-              <a:off x="-423782" y="3004157"/>
-              <a:ext cx="517237" cy="554182"/>
-            </a:xfrm>
-            <a:prstGeom prst="downArrow">
-              <a:avLst/>
-            </a:prstGeom>
-            <a:noFill/>
-            <a:ln w="38100">
-              <a:solidFill>
-                <a:schemeClr val="tx1"/>
-              </a:solidFill>
-            </a:ln>
-          </p:spPr>
-          <p:style>
-            <a:lnRef idx="2">
-              <a:schemeClr val="accent1">
-                <a:shade val="50000"/>
-              </a:schemeClr>
-            </a:lnRef>
-            <a:fillRef idx="1">
-              <a:schemeClr val="accent1"/>
-            </a:fillRef>
-            <a:effectRef idx="0">
-              <a:schemeClr val="accent1"/>
-            </a:effectRef>
-            <a:fontRef idx="minor">
-              <a:schemeClr val="lt1"/>
-            </a:fontRef>
-          </p:style>
-          <p:txBody>
-            <a:bodyPr rtlCol="0" anchor="ctr"/>
-            <a:lstStyle/>
-            <a:p>
-              <a:pPr algn="ctr"/>
-              <a:endParaRPr lang="en-SG"/>
-            </a:p>
-          </p:txBody>
-        </p:sp>
-      </p:grpSp>
+          <a:prstGeom prst="rect">
+            <a:avLst/>
+          </a:prstGeom>
+        </p:spPr>
+      </p:pic>
+      <p:sp>
+        <p:nvSpPr>
+          <p:cNvPr id="7" name="TextBox 6">
+            <a:extLst>
+              <a:ext uri="{FF2B5EF4-FFF2-40B4-BE49-F238E27FC236}">
+                <a16:creationId xmlns:a16="http://schemas.microsoft.com/office/drawing/2014/main" id="{7A204B77-DB19-44AC-B9D4-FD866571438D}"/>
+              </a:ext>
+            </a:extLst>
+          </p:cNvPr>
+          <p:cNvSpPr txBox="1"/>
+          <p:nvPr/>
+        </p:nvSpPr>
+        <p:spPr>
+          <a:xfrm>
+            <a:off x="3901320" y="3554244"/>
+            <a:ext cx="739306" cy="369332"/>
+          </a:xfrm>
+          <a:prstGeom prst="rect">
+            <a:avLst/>
+          </a:prstGeom>
+          <a:noFill/>
+        </p:spPr>
+        <p:txBody>
+          <a:bodyPr wrap="none" rtlCol="0">
+            <a:spAutoFit/>
+          </a:bodyPr>
+          <a:lstStyle/>
+          <a:p>
+            <a:pPr algn="ctr"/>
+            <a:r>
+              <a:rPr lang="en-SG" b="1" dirty="0"/>
+              <a:t>Ramp</a:t>
+            </a:r>
+          </a:p>
+        </p:txBody>
+      </p:sp>
+      <p:sp>
+        <p:nvSpPr>
+          <p:cNvPr id="8" name="Arrow: Down 7">
+            <a:extLst>
+              <a:ext uri="{FF2B5EF4-FFF2-40B4-BE49-F238E27FC236}">
+                <a16:creationId xmlns:a16="http://schemas.microsoft.com/office/drawing/2014/main" id="{E70E593E-34F8-4719-AC5C-AA5555C17A19}"/>
+              </a:ext>
+            </a:extLst>
+          </p:cNvPr>
+          <p:cNvSpPr/>
+          <p:nvPr/>
+        </p:nvSpPr>
+        <p:spPr>
+          <a:xfrm>
+            <a:off x="7530269" y="-591128"/>
+            <a:ext cx="517237" cy="554182"/>
+          </a:xfrm>
+          <a:prstGeom prst="downArrow">
+            <a:avLst/>
+          </a:prstGeom>
+          <a:noFill/>
+          <a:ln w="38100">
+            <a:solidFill>
+              <a:schemeClr val="tx1"/>
+            </a:solidFill>
+          </a:ln>
+        </p:spPr>
+        <p:style>
+          <a:lnRef idx="2">
+            <a:schemeClr val="accent1">
+              <a:shade val="50000"/>
+            </a:schemeClr>
+          </a:lnRef>
+          <a:fillRef idx="1">
+            <a:schemeClr val="accent1"/>
+          </a:fillRef>
+          <a:effectRef idx="0">
+            <a:schemeClr val="accent1"/>
+          </a:effectRef>
+          <a:fontRef idx="minor">
+            <a:schemeClr val="lt1"/>
+          </a:fontRef>
+        </p:style>
+        <p:txBody>
+          <a:bodyPr rtlCol="0" anchor="ctr"/>
+          <a:lstStyle/>
+          <a:p>
+            <a:pPr algn="ctr"/>
+            <a:endParaRPr lang="en-SG"/>
+          </a:p>
+        </p:txBody>
+      </p:sp>
+      <p:sp>
+        <p:nvSpPr>
+          <p:cNvPr id="9" name="TextBox 8">
+            <a:extLst>
+              <a:ext uri="{FF2B5EF4-FFF2-40B4-BE49-F238E27FC236}">
+                <a16:creationId xmlns:a16="http://schemas.microsoft.com/office/drawing/2014/main" id="{E5951C4D-2615-492C-8B4C-6400FC79A33D}"/>
+              </a:ext>
+            </a:extLst>
+          </p:cNvPr>
+          <p:cNvSpPr txBox="1"/>
+          <p:nvPr/>
+        </p:nvSpPr>
+        <p:spPr>
+          <a:xfrm>
+            <a:off x="7164200" y="-960460"/>
+            <a:ext cx="1249381" cy="369332"/>
+          </a:xfrm>
+          <a:prstGeom prst="rect">
+            <a:avLst/>
+          </a:prstGeom>
+          <a:noFill/>
+        </p:spPr>
+        <p:txBody>
+          <a:bodyPr wrap="none" rtlCol="0">
+            <a:spAutoFit/>
+          </a:bodyPr>
+          <a:lstStyle/>
+          <a:p>
+            <a:pPr algn="ctr"/>
+            <a:r>
+              <a:rPr lang="en-SG" b="1" dirty="0"/>
+              <a:t>Code Panel</a:t>
+            </a:r>
+          </a:p>
+        </p:txBody>
+      </p:sp>
+      <p:sp>
+        <p:nvSpPr>
+          <p:cNvPr id="10" name="Arrow: Down 9">
+            <a:extLst>
+              <a:ext uri="{FF2B5EF4-FFF2-40B4-BE49-F238E27FC236}">
+                <a16:creationId xmlns:a16="http://schemas.microsoft.com/office/drawing/2014/main" id="{4B5FA1E7-2641-418D-9855-87AEAC7ED7B2}"/>
+              </a:ext>
+            </a:extLst>
+          </p:cNvPr>
+          <p:cNvSpPr/>
+          <p:nvPr/>
+        </p:nvSpPr>
+        <p:spPr>
+          <a:xfrm rot="5400000">
+            <a:off x="1699108" y="4089954"/>
+            <a:ext cx="517237" cy="554182"/>
+          </a:xfrm>
+          <a:prstGeom prst="downArrow">
+            <a:avLst/>
+          </a:prstGeom>
+          <a:noFill/>
+          <a:ln w="38100">
+            <a:solidFill>
+              <a:schemeClr val="tx1"/>
+            </a:solidFill>
+          </a:ln>
+        </p:spPr>
+        <p:style>
+          <a:lnRef idx="2">
+            <a:schemeClr val="accent1">
+              <a:shade val="50000"/>
+            </a:schemeClr>
+          </a:lnRef>
+          <a:fillRef idx="1">
+            <a:schemeClr val="accent1"/>
+          </a:fillRef>
+          <a:effectRef idx="0">
+            <a:schemeClr val="accent1"/>
+          </a:effectRef>
+          <a:fontRef idx="minor">
+            <a:schemeClr val="lt1"/>
+          </a:fontRef>
+        </p:style>
+        <p:txBody>
+          <a:bodyPr rtlCol="0" anchor="ctr"/>
+          <a:lstStyle/>
+          <a:p>
+            <a:pPr algn="ctr"/>
+            <a:endParaRPr lang="en-SG"/>
+          </a:p>
+        </p:txBody>
+      </p:sp>
+      <p:sp>
+        <p:nvSpPr>
+          <p:cNvPr id="11" name="TextBox 10">
+            <a:extLst>
+              <a:ext uri="{FF2B5EF4-FFF2-40B4-BE49-F238E27FC236}">
+                <a16:creationId xmlns:a16="http://schemas.microsoft.com/office/drawing/2014/main" id="{A0C18F20-A329-4A19-9568-DDF540B86597}"/>
+              </a:ext>
+            </a:extLst>
+          </p:cNvPr>
+          <p:cNvSpPr txBox="1"/>
+          <p:nvPr/>
+        </p:nvSpPr>
+        <p:spPr>
+          <a:xfrm>
+            <a:off x="2234818" y="4182379"/>
+            <a:ext cx="1777538" cy="369332"/>
+          </a:xfrm>
+          <a:prstGeom prst="rect">
+            <a:avLst/>
+          </a:prstGeom>
+          <a:noFill/>
+        </p:spPr>
+        <p:txBody>
+          <a:bodyPr wrap="none" rtlCol="0">
+            <a:spAutoFit/>
+          </a:bodyPr>
+          <a:lstStyle/>
+          <a:p>
+            <a:pPr algn="ctr"/>
+            <a:r>
+              <a:rPr lang="en-SG" b="1" dirty="0"/>
+              <a:t>Contribution Bar</a:t>
+            </a:r>
+          </a:p>
+        </p:txBody>
+      </p:sp>
+      <p:sp>
+        <p:nvSpPr>
+          <p:cNvPr id="13" name="Arrow: Down 12">
+            <a:extLst>
+              <a:ext uri="{FF2B5EF4-FFF2-40B4-BE49-F238E27FC236}">
+                <a16:creationId xmlns:a16="http://schemas.microsoft.com/office/drawing/2014/main" id="{513B7AA3-D8C6-4818-8677-73EFEDACCEF6}"/>
+              </a:ext>
+            </a:extLst>
+          </p:cNvPr>
+          <p:cNvSpPr/>
+          <p:nvPr/>
+        </p:nvSpPr>
+        <p:spPr>
+          <a:xfrm rot="10800000">
+            <a:off x="4012356" y="3000061"/>
+            <a:ext cx="517237" cy="554182"/>
+          </a:xfrm>
+          <a:prstGeom prst="downArrow">
+            <a:avLst/>
+          </a:prstGeom>
+          <a:noFill/>
+          <a:ln w="38100">
+            <a:solidFill>
+              <a:schemeClr val="tx1"/>
+            </a:solidFill>
+          </a:ln>
+        </p:spPr>
+        <p:style>
+          <a:lnRef idx="2">
+            <a:schemeClr val="accent1">
+              <a:shade val="50000"/>
+            </a:schemeClr>
+          </a:lnRef>
+          <a:fillRef idx="1">
+            <a:schemeClr val="accent1"/>
+          </a:fillRef>
+          <a:effectRef idx="0">
+            <a:schemeClr val="accent1"/>
+          </a:effectRef>
+          <a:fontRef idx="minor">
+            <a:schemeClr val="lt1"/>
+          </a:fontRef>
+        </p:style>
+        <p:txBody>
+          <a:bodyPr rtlCol="0" anchor="ctr"/>
+          <a:lstStyle/>
+          <a:p>
+            <a:pPr algn="ctr"/>
+            <a:endParaRPr lang="en-SG"/>
+          </a:p>
+        </p:txBody>
+      </p:sp>
+      <p:sp>
+        <p:nvSpPr>
+          <p:cNvPr id="14" name="TextBox 13">
+            <a:extLst>
+              <a:ext uri="{FF2B5EF4-FFF2-40B4-BE49-F238E27FC236}">
+                <a16:creationId xmlns:a16="http://schemas.microsoft.com/office/drawing/2014/main" id="{61C6FB55-A0EF-4B70-9579-2E3633BAB17C}"/>
+              </a:ext>
+            </a:extLst>
+          </p:cNvPr>
+          <p:cNvSpPr txBox="1"/>
+          <p:nvPr/>
+        </p:nvSpPr>
+        <p:spPr>
+          <a:xfrm>
+            <a:off x="-199157" y="-226763"/>
+            <a:ext cx="900503" cy="369332"/>
+          </a:xfrm>
+          <a:prstGeom prst="rect">
+            <a:avLst/>
+          </a:prstGeom>
+          <a:noFill/>
+        </p:spPr>
+        <p:txBody>
+          <a:bodyPr wrap="none" rtlCol="0">
+            <a:spAutoFit/>
+          </a:bodyPr>
+          <a:lstStyle/>
+          <a:p>
+            <a:pPr algn="ctr"/>
+            <a:r>
+              <a:rPr lang="en-SG" b="1" dirty="0"/>
+              <a:t>Toolbar</a:t>
+            </a:r>
+          </a:p>
+        </p:txBody>
+      </p:sp>
+      <p:sp>
+        <p:nvSpPr>
+          <p:cNvPr id="15" name="Arrow: Down 14">
+            <a:extLst>
+              <a:ext uri="{FF2B5EF4-FFF2-40B4-BE49-F238E27FC236}">
+                <a16:creationId xmlns:a16="http://schemas.microsoft.com/office/drawing/2014/main" id="{C9086935-6371-4258-8020-0D1D97F121AB}"/>
+              </a:ext>
+            </a:extLst>
+          </p:cNvPr>
+          <p:cNvSpPr/>
+          <p:nvPr/>
+        </p:nvSpPr>
+        <p:spPr>
+          <a:xfrm rot="16200000">
+            <a:off x="-7523" y="124097"/>
+            <a:ext cx="517237" cy="554182"/>
+          </a:xfrm>
+          <a:prstGeom prst="downArrow">
+            <a:avLst/>
+          </a:prstGeom>
+          <a:noFill/>
+          <a:ln w="38100">
+            <a:solidFill>
+              <a:schemeClr val="tx1"/>
+            </a:solidFill>
+          </a:ln>
+        </p:spPr>
+        <p:style>
+          <a:lnRef idx="2">
+            <a:schemeClr val="accent1">
+              <a:shade val="50000"/>
+            </a:schemeClr>
+          </a:lnRef>
+          <a:fillRef idx="1">
+            <a:schemeClr val="accent1"/>
+          </a:fillRef>
+          <a:effectRef idx="0">
+            <a:schemeClr val="accent1"/>
+          </a:effectRef>
+          <a:fontRef idx="minor">
+            <a:schemeClr val="lt1"/>
+          </a:fontRef>
+        </p:style>
+        <p:txBody>
+          <a:bodyPr rtlCol="0" anchor="ctr"/>
+          <a:lstStyle/>
+          <a:p>
+            <a:pPr algn="ctr"/>
+            <a:endParaRPr lang="en-SG"/>
+          </a:p>
+        </p:txBody>
+      </p:sp>
+      <p:sp>
+        <p:nvSpPr>
+          <p:cNvPr id="12" name="Arrow: Down 11">
+            <a:extLst>
+              <a:ext uri="{FF2B5EF4-FFF2-40B4-BE49-F238E27FC236}">
+                <a16:creationId xmlns:a16="http://schemas.microsoft.com/office/drawing/2014/main" id="{6E5DA74A-713D-4962-8BB0-EB6D058497FA}"/>
+              </a:ext>
+            </a:extLst>
+          </p:cNvPr>
+          <p:cNvSpPr/>
+          <p:nvPr/>
+        </p:nvSpPr>
+        <p:spPr>
+          <a:xfrm>
+            <a:off x="2561512" y="-601935"/>
+            <a:ext cx="517237" cy="554182"/>
+          </a:xfrm>
+          <a:prstGeom prst="downArrow">
+            <a:avLst/>
+          </a:prstGeom>
+          <a:noFill/>
+          <a:ln w="38100">
+            <a:solidFill>
+              <a:schemeClr val="tx1"/>
+            </a:solidFill>
+          </a:ln>
+        </p:spPr>
+        <p:style>
+          <a:lnRef idx="2">
+            <a:schemeClr val="accent1">
+              <a:shade val="50000"/>
+            </a:schemeClr>
+          </a:lnRef>
+          <a:fillRef idx="1">
+            <a:schemeClr val="accent1"/>
+          </a:fillRef>
+          <a:effectRef idx="0">
+            <a:schemeClr val="accent1"/>
+          </a:effectRef>
+          <a:fontRef idx="minor">
+            <a:schemeClr val="lt1"/>
+          </a:fontRef>
+        </p:style>
+        <p:txBody>
+          <a:bodyPr rtlCol="0" anchor="ctr"/>
+          <a:lstStyle/>
+          <a:p>
+            <a:pPr algn="ctr"/>
+            <a:endParaRPr lang="en-SG"/>
+          </a:p>
+        </p:txBody>
+      </p:sp>
+      <p:sp>
+        <p:nvSpPr>
+          <p:cNvPr id="17" name="TextBox 16">
+            <a:extLst>
+              <a:ext uri="{FF2B5EF4-FFF2-40B4-BE49-F238E27FC236}">
+                <a16:creationId xmlns:a16="http://schemas.microsoft.com/office/drawing/2014/main" id="{6ADBC469-4AA9-4B94-927B-3BC4FF0DB4CD}"/>
+              </a:ext>
+            </a:extLst>
+          </p:cNvPr>
+          <p:cNvSpPr txBox="1"/>
+          <p:nvPr/>
+        </p:nvSpPr>
+        <p:spPr>
+          <a:xfrm>
+            <a:off x="2177009" y="-971267"/>
+            <a:ext cx="1286250" cy="369332"/>
+          </a:xfrm>
+          <a:prstGeom prst="rect">
+            <a:avLst/>
+          </a:prstGeom>
+          <a:noFill/>
+        </p:spPr>
+        <p:txBody>
+          <a:bodyPr wrap="none" rtlCol="0">
+            <a:spAutoFit/>
+          </a:bodyPr>
+          <a:lstStyle/>
+          <a:p>
+            <a:pPr algn="ctr"/>
+            <a:r>
+              <a:rPr lang="en-SG" b="1" dirty="0"/>
+              <a:t>Chart Panel</a:t>
+            </a:r>
+          </a:p>
+        </p:txBody>
+      </p:sp>
+      <p:sp>
+        <p:nvSpPr>
+          <p:cNvPr id="16" name="TextBox 15">
+            <a:extLst>
+              <a:ext uri="{FF2B5EF4-FFF2-40B4-BE49-F238E27FC236}">
+                <a16:creationId xmlns:a16="http://schemas.microsoft.com/office/drawing/2014/main" id="{90DD3F11-A181-4D6B-B39E-4679AA9A63BD}"/>
+              </a:ext>
+            </a:extLst>
+          </p:cNvPr>
+          <p:cNvSpPr txBox="1"/>
+          <p:nvPr/>
+        </p:nvSpPr>
+        <p:spPr>
+          <a:xfrm>
+            <a:off x="-1313181" y="1899377"/>
+            <a:ext cx="1313181" cy="369332"/>
+          </a:xfrm>
+          <a:prstGeom prst="rect">
+            <a:avLst/>
+          </a:prstGeom>
+          <a:noFill/>
+        </p:spPr>
+        <p:txBody>
+          <a:bodyPr wrap="square" rtlCol="0">
+            <a:spAutoFit/>
+          </a:bodyPr>
+          <a:lstStyle/>
+          <a:p>
+            <a:pPr algn="ctr"/>
+            <a:r>
+              <a:rPr lang="en-SG" b="1" dirty="0"/>
+              <a:t>Ramp Chart</a:t>
+            </a:r>
+          </a:p>
+        </p:txBody>
+      </p:sp>
+      <p:sp>
+        <p:nvSpPr>
+          <p:cNvPr id="18" name="Arrow: Down 17">
+            <a:extLst>
+              <a:ext uri="{FF2B5EF4-FFF2-40B4-BE49-F238E27FC236}">
+                <a16:creationId xmlns:a16="http://schemas.microsoft.com/office/drawing/2014/main" id="{0D427F96-5B4B-48FA-B69F-000E5460CBF1}"/>
+              </a:ext>
+            </a:extLst>
+          </p:cNvPr>
+          <p:cNvSpPr/>
+          <p:nvPr/>
+        </p:nvSpPr>
+        <p:spPr>
+          <a:xfrm rot="16200000">
+            <a:off x="18473" y="1806952"/>
+            <a:ext cx="517237" cy="554182"/>
+          </a:xfrm>
+          <a:prstGeom prst="downArrow">
+            <a:avLst/>
+          </a:prstGeom>
+          <a:noFill/>
+          <a:ln w="38100">
+            <a:solidFill>
+              <a:schemeClr val="tx1"/>
+            </a:solidFill>
+          </a:ln>
+        </p:spPr>
+        <p:style>
+          <a:lnRef idx="2">
+            <a:schemeClr val="accent1">
+              <a:shade val="50000"/>
+            </a:schemeClr>
+          </a:lnRef>
+          <a:fillRef idx="1">
+            <a:schemeClr val="accent1"/>
+          </a:fillRef>
+          <a:effectRef idx="0">
+            <a:schemeClr val="accent1"/>
+          </a:effectRef>
+          <a:fontRef idx="minor">
+            <a:schemeClr val="lt1"/>
+          </a:fontRef>
+        </p:style>
+        <p:txBody>
+          <a:bodyPr rtlCol="0" anchor="ctr"/>
+          <a:lstStyle/>
+          <a:p>
+            <a:pPr algn="ctr"/>
+            <a:endParaRPr lang="en-SG"/>
+          </a:p>
+        </p:txBody>
+      </p:sp>
     </p:spTree>
     <p:extLst>
       <p:ext uri="{BB962C8B-B14F-4D97-AF65-F5344CB8AC3E}">

--- a/docs/diagrams/ug-report.pptx
+++ b/docs/diagrams/ug-report.pptx
@@ -261,7 +261,7 @@
           <a:p>
             <a:fld id="{D5F4EE06-143D-4C2F-8831-1CDA21FFE47B}" type="datetimeFigureOut">
               <a:rPr lang="en-SG" smtClean="0"/>
-              <a:t>20/12/2018</a:t>
+              <a:t>23/1/2019</a:t>
             </a:fld>
             <a:endParaRPr lang="en-SG"/>
           </a:p>
@@ -461,7 +461,7 @@
           <a:p>
             <a:fld id="{D5F4EE06-143D-4C2F-8831-1CDA21FFE47B}" type="datetimeFigureOut">
               <a:rPr lang="en-SG" smtClean="0"/>
-              <a:t>20/12/2018</a:t>
+              <a:t>23/1/2019</a:t>
             </a:fld>
             <a:endParaRPr lang="en-SG"/>
           </a:p>
@@ -671,7 +671,7 @@
           <a:p>
             <a:fld id="{D5F4EE06-143D-4C2F-8831-1CDA21FFE47B}" type="datetimeFigureOut">
               <a:rPr lang="en-SG" smtClean="0"/>
-              <a:t>20/12/2018</a:t>
+              <a:t>23/1/2019</a:t>
             </a:fld>
             <a:endParaRPr lang="en-SG"/>
           </a:p>
@@ -871,7 +871,7 @@
           <a:p>
             <a:fld id="{D5F4EE06-143D-4C2F-8831-1CDA21FFE47B}" type="datetimeFigureOut">
               <a:rPr lang="en-SG" smtClean="0"/>
-              <a:t>20/12/2018</a:t>
+              <a:t>23/1/2019</a:t>
             </a:fld>
             <a:endParaRPr lang="en-SG"/>
           </a:p>
@@ -1147,7 +1147,7 @@
           <a:p>
             <a:fld id="{D5F4EE06-143D-4C2F-8831-1CDA21FFE47B}" type="datetimeFigureOut">
               <a:rPr lang="en-SG" smtClean="0"/>
-              <a:t>20/12/2018</a:t>
+              <a:t>23/1/2019</a:t>
             </a:fld>
             <a:endParaRPr lang="en-SG"/>
           </a:p>
@@ -1415,7 +1415,7 @@
           <a:p>
             <a:fld id="{D5F4EE06-143D-4C2F-8831-1CDA21FFE47B}" type="datetimeFigureOut">
               <a:rPr lang="en-SG" smtClean="0"/>
-              <a:t>20/12/2018</a:t>
+              <a:t>23/1/2019</a:t>
             </a:fld>
             <a:endParaRPr lang="en-SG"/>
           </a:p>
@@ -1830,7 +1830,7 @@
           <a:p>
             <a:fld id="{D5F4EE06-143D-4C2F-8831-1CDA21FFE47B}" type="datetimeFigureOut">
               <a:rPr lang="en-SG" smtClean="0"/>
-              <a:t>20/12/2018</a:t>
+              <a:t>23/1/2019</a:t>
             </a:fld>
             <a:endParaRPr lang="en-SG"/>
           </a:p>
@@ -1972,7 +1972,7 @@
           <a:p>
             <a:fld id="{D5F4EE06-143D-4C2F-8831-1CDA21FFE47B}" type="datetimeFigureOut">
               <a:rPr lang="en-SG" smtClean="0"/>
-              <a:t>20/12/2018</a:t>
+              <a:t>23/1/2019</a:t>
             </a:fld>
             <a:endParaRPr lang="en-SG"/>
           </a:p>
@@ -2085,7 +2085,7 @@
           <a:p>
             <a:fld id="{D5F4EE06-143D-4C2F-8831-1CDA21FFE47B}" type="datetimeFigureOut">
               <a:rPr lang="en-SG" smtClean="0"/>
-              <a:t>20/12/2018</a:t>
+              <a:t>23/1/2019</a:t>
             </a:fld>
             <a:endParaRPr lang="en-SG"/>
           </a:p>
@@ -2398,7 +2398,7 @@
           <a:p>
             <a:fld id="{D5F4EE06-143D-4C2F-8831-1CDA21FFE47B}" type="datetimeFigureOut">
               <a:rPr lang="en-SG" smtClean="0"/>
-              <a:t>20/12/2018</a:t>
+              <a:t>23/1/2019</a:t>
             </a:fld>
             <a:endParaRPr lang="en-SG"/>
           </a:p>
@@ -2687,7 +2687,7 @@
           <a:p>
             <a:fld id="{D5F4EE06-143D-4C2F-8831-1CDA21FFE47B}" type="datetimeFigureOut">
               <a:rPr lang="en-SG" smtClean="0"/>
-              <a:t>20/12/2018</a:t>
+              <a:t>23/1/2019</a:t>
             </a:fld>
             <a:endParaRPr lang="en-SG"/>
           </a:p>
@@ -2930,7 +2930,7 @@
           <a:p>
             <a:fld id="{D5F4EE06-143D-4C2F-8831-1CDA21FFE47B}" type="datetimeFigureOut">
               <a:rPr lang="en-SG" smtClean="0"/>
-              <a:t>20/12/2018</a:t>
+              <a:t>23/1/2019</a:t>
             </a:fld>
             <a:endParaRPr lang="en-SG"/>
           </a:p>
@@ -3349,10 +3349,10 @@
       </p:grpSpPr>
       <p:pic>
         <p:nvPicPr>
-          <p:cNvPr id="4" name="图片 3">
-            <a:extLst>
-              <a:ext uri="{FF2B5EF4-FFF2-40B4-BE49-F238E27FC236}">
-                <a16:creationId xmlns:a16="http://schemas.microsoft.com/office/drawing/2014/main" id="{790658E2-4B72-4B10-AE63-A77734D25760}"/>
+          <p:cNvPr id="3" name="图片 2">
+            <a:extLst>
+              <a:ext uri="{FF2B5EF4-FFF2-40B4-BE49-F238E27FC236}">
+                <a16:creationId xmlns:a16="http://schemas.microsoft.com/office/drawing/2014/main" id="{078C2DC3-05AE-4DBC-A6D6-2BF0D2EFA39D}"/>
               </a:ext>
             </a:extLst>
           </p:cNvPr>
@@ -3375,8 +3375,8 @@
         </p:blipFill>
         <p:spPr>
           <a:xfrm>
-            <a:off x="548207" y="0"/>
-            <a:ext cx="9728068" cy="5302028"/>
+            <a:off x="528187" y="-2040"/>
+            <a:ext cx="9534617" cy="4689403"/>
           </a:xfrm>
           <a:prstGeom prst="rect">
             <a:avLst/>
@@ -3397,7 +3397,7 @@
         </p:nvSpPr>
         <p:spPr>
           <a:xfrm>
-            <a:off x="3901320" y="3554244"/>
+            <a:off x="4532800" y="1714711"/>
             <a:ext cx="739306" cy="369332"/>
           </a:xfrm>
           <a:prstGeom prst="rect">
@@ -3521,7 +3521,7 @@
         </p:nvSpPr>
         <p:spPr>
           <a:xfrm rot="5400000">
-            <a:off x="1699108" y="4089954"/>
+            <a:off x="1699109" y="3673304"/>
             <a:ext cx="517237" cy="554182"/>
           </a:xfrm>
           <a:prstGeom prst="downArrow">
@@ -3573,7 +3573,7 @@
         </p:nvSpPr>
         <p:spPr>
           <a:xfrm>
-            <a:off x="2234818" y="4182379"/>
+            <a:off x="2271366" y="3766376"/>
             <a:ext cx="1777538" cy="369332"/>
           </a:xfrm>
           <a:prstGeom prst="rect">
@@ -3609,7 +3609,7 @@
         </p:nvSpPr>
         <p:spPr>
           <a:xfrm rot="10800000">
-            <a:off x="4012356" y="3000061"/>
+            <a:off x="4643835" y="1179832"/>
             <a:ext cx="517237" cy="554182"/>
           </a:xfrm>
           <a:prstGeom prst="downArrow">
@@ -3661,7 +3661,7 @@
         </p:nvSpPr>
         <p:spPr>
           <a:xfrm>
-            <a:off x="-199157" y="-226763"/>
+            <a:off x="-926499" y="181582"/>
             <a:ext cx="900503" cy="369332"/>
           </a:xfrm>
           <a:prstGeom prst="rect">
@@ -3837,7 +3837,7 @@
         </p:nvSpPr>
         <p:spPr>
           <a:xfrm>
-            <a:off x="-1313181" y="1899377"/>
+            <a:off x="-1277669" y="1824977"/>
             <a:ext cx="1313181" cy="369332"/>
           </a:xfrm>
           <a:prstGeom prst="rect">
@@ -3873,7 +3873,7 @@
         </p:nvSpPr>
         <p:spPr>
           <a:xfrm rot="16200000">
-            <a:off x="18473" y="1806952"/>
+            <a:off x="53985" y="1744806"/>
             <a:ext cx="517237" cy="554182"/>
           </a:xfrm>
           <a:prstGeom prst="downArrow">
@@ -3908,6 +3908,273 @@
           <a:p>
             <a:pPr algn="ctr"/>
             <a:endParaRPr lang="en-SG"/>
+          </a:p>
+        </p:txBody>
+      </p:sp>
+      <p:sp>
+        <p:nvSpPr>
+          <p:cNvPr id="19" name="Arrow: Down 7">
+            <a:extLst>
+              <a:ext uri="{FF2B5EF4-FFF2-40B4-BE49-F238E27FC236}">
+                <a16:creationId xmlns:a16="http://schemas.microsoft.com/office/drawing/2014/main" id="{1CDA47B4-2B98-4CCB-8CBD-4C13A7A21328}"/>
+              </a:ext>
+            </a:extLst>
+          </p:cNvPr>
+          <p:cNvSpPr/>
+          <p:nvPr/>
+        </p:nvSpPr>
+        <p:spPr>
+          <a:xfrm>
+            <a:off x="9058710" y="181582"/>
+            <a:ext cx="165190" cy="618288"/>
+          </a:xfrm>
+          <a:prstGeom prst="downArrow">
+            <a:avLst/>
+          </a:prstGeom>
+          <a:noFill/>
+          <a:ln w="38100">
+            <a:solidFill>
+              <a:schemeClr val="tx1"/>
+            </a:solidFill>
+          </a:ln>
+        </p:spPr>
+        <p:style>
+          <a:lnRef idx="2">
+            <a:schemeClr val="accent1">
+              <a:shade val="50000"/>
+            </a:schemeClr>
+          </a:lnRef>
+          <a:fillRef idx="1">
+            <a:schemeClr val="accent1"/>
+          </a:fillRef>
+          <a:effectRef idx="0">
+            <a:schemeClr val="accent1"/>
+          </a:effectRef>
+          <a:fontRef idx="minor">
+            <a:schemeClr val="lt1"/>
+          </a:fontRef>
+        </p:style>
+        <p:txBody>
+          <a:bodyPr rtlCol="0" anchor="ctr"/>
+          <a:lstStyle/>
+          <a:p>
+            <a:pPr algn="ctr"/>
+            <a:endParaRPr lang="en-SG"/>
+          </a:p>
+        </p:txBody>
+      </p:sp>
+      <p:sp>
+        <p:nvSpPr>
+          <p:cNvPr id="20" name="TextBox 8">
+            <a:extLst>
+              <a:ext uri="{FF2B5EF4-FFF2-40B4-BE49-F238E27FC236}">
+                <a16:creationId xmlns:a16="http://schemas.microsoft.com/office/drawing/2014/main" id="{EDFB4028-A919-4731-8A93-2372D7A78B91}"/>
+              </a:ext>
+            </a:extLst>
+          </p:cNvPr>
+          <p:cNvSpPr txBox="1"/>
+          <p:nvPr/>
+        </p:nvSpPr>
+        <p:spPr>
+          <a:xfrm>
+            <a:off x="8432622" y="-279561"/>
+            <a:ext cx="1399614" cy="369332"/>
+          </a:xfrm>
+          <a:prstGeom prst="rect">
+            <a:avLst/>
+          </a:prstGeom>
+          <a:noFill/>
+        </p:spPr>
+        <p:txBody>
+          <a:bodyPr wrap="none" rtlCol="0">
+            <a:spAutoFit/>
+          </a:bodyPr>
+          <a:lstStyle/>
+          <a:p>
+            <a:pPr algn="ctr"/>
+            <a:r>
+              <a:rPr lang="en-US" altLang="zh-CN" b="1" dirty="0"/>
+              <a:t>History View</a:t>
+            </a:r>
+            <a:endParaRPr lang="en-SG" b="1" dirty="0"/>
+          </a:p>
+        </p:txBody>
+      </p:sp>
+      <p:sp>
+        <p:nvSpPr>
+          <p:cNvPr id="21" name="Arrow: Down 7">
+            <a:extLst>
+              <a:ext uri="{FF2B5EF4-FFF2-40B4-BE49-F238E27FC236}">
+                <a16:creationId xmlns:a16="http://schemas.microsoft.com/office/drawing/2014/main" id="{A9E91D31-EF4A-4D56-8FB2-1C24639FA1F0}"/>
+              </a:ext>
+            </a:extLst>
+          </p:cNvPr>
+          <p:cNvSpPr/>
+          <p:nvPr/>
+        </p:nvSpPr>
+        <p:spPr>
+          <a:xfrm rot="5400000">
+            <a:off x="9674863" y="579726"/>
+            <a:ext cx="141163" cy="634719"/>
+          </a:xfrm>
+          <a:prstGeom prst="downArrow">
+            <a:avLst/>
+          </a:prstGeom>
+          <a:noFill/>
+          <a:ln w="38100">
+            <a:solidFill>
+              <a:schemeClr val="tx1"/>
+            </a:solidFill>
+          </a:ln>
+        </p:spPr>
+        <p:style>
+          <a:lnRef idx="2">
+            <a:schemeClr val="accent1">
+              <a:shade val="50000"/>
+            </a:schemeClr>
+          </a:lnRef>
+          <a:fillRef idx="1">
+            <a:schemeClr val="accent1"/>
+          </a:fillRef>
+          <a:effectRef idx="0">
+            <a:schemeClr val="accent1"/>
+          </a:effectRef>
+          <a:fontRef idx="minor">
+            <a:schemeClr val="lt1"/>
+          </a:fontRef>
+        </p:style>
+        <p:txBody>
+          <a:bodyPr rtlCol="0" anchor="ctr"/>
+          <a:lstStyle/>
+          <a:p>
+            <a:pPr algn="ctr"/>
+            <a:endParaRPr lang="en-SG"/>
+          </a:p>
+        </p:txBody>
+      </p:sp>
+      <p:sp>
+        <p:nvSpPr>
+          <p:cNvPr id="22" name="TextBox 8">
+            <a:extLst>
+              <a:ext uri="{FF2B5EF4-FFF2-40B4-BE49-F238E27FC236}">
+                <a16:creationId xmlns:a16="http://schemas.microsoft.com/office/drawing/2014/main" id="{BDE09DB7-39ED-4C2F-AD1C-1E6E013DC6A3}"/>
+              </a:ext>
+            </a:extLst>
+          </p:cNvPr>
+          <p:cNvSpPr txBox="1"/>
+          <p:nvPr/>
+        </p:nvSpPr>
+        <p:spPr>
+          <a:xfrm>
+            <a:off x="9225331" y="457172"/>
+            <a:ext cx="1318438" cy="369332"/>
+          </a:xfrm>
+          <a:prstGeom prst="rect">
+            <a:avLst/>
+          </a:prstGeom>
+          <a:noFill/>
+        </p:spPr>
+        <p:txBody>
+          <a:bodyPr wrap="none" rtlCol="0">
+            <a:spAutoFit/>
+          </a:bodyPr>
+          <a:lstStyle/>
+          <a:p>
+            <a:pPr algn="ctr"/>
+            <a:r>
+              <a:rPr lang="en-US" altLang="zh-CN" b="1" dirty="0"/>
+              <a:t>Blame View</a:t>
+            </a:r>
+            <a:endParaRPr lang="en-SG" b="1" dirty="0"/>
+          </a:p>
+        </p:txBody>
+      </p:sp>
+      <p:sp>
+        <p:nvSpPr>
+          <p:cNvPr id="23" name="Arrow: Down 7">
+            <a:extLst>
+              <a:ext uri="{FF2B5EF4-FFF2-40B4-BE49-F238E27FC236}">
+                <a16:creationId xmlns:a16="http://schemas.microsoft.com/office/drawing/2014/main" id="{8EB59AEB-EADC-403C-9DCF-C7B8A68FC5E6}"/>
+              </a:ext>
+            </a:extLst>
+          </p:cNvPr>
+          <p:cNvSpPr/>
+          <p:nvPr/>
+        </p:nvSpPr>
+        <p:spPr>
+          <a:xfrm rot="5400000">
+            <a:off x="1727904" y="527722"/>
+            <a:ext cx="141163" cy="634719"/>
+          </a:xfrm>
+          <a:prstGeom prst="downArrow">
+            <a:avLst/>
+          </a:prstGeom>
+          <a:noFill/>
+          <a:ln w="38100">
+            <a:solidFill>
+              <a:schemeClr val="tx1"/>
+            </a:solidFill>
+          </a:ln>
+        </p:spPr>
+        <p:style>
+          <a:lnRef idx="2">
+            <a:schemeClr val="accent1">
+              <a:shade val="50000"/>
+            </a:schemeClr>
+          </a:lnRef>
+          <a:fillRef idx="1">
+            <a:schemeClr val="accent1"/>
+          </a:fillRef>
+          <a:effectRef idx="0">
+            <a:schemeClr val="accent1"/>
+          </a:effectRef>
+          <a:fontRef idx="minor">
+            <a:schemeClr val="lt1"/>
+          </a:fontRef>
+        </p:style>
+        <p:txBody>
+          <a:bodyPr rtlCol="0" anchor="ctr"/>
+          <a:lstStyle/>
+          <a:p>
+            <a:pPr algn="ctr"/>
+            <a:endParaRPr lang="en-SG"/>
+          </a:p>
+        </p:txBody>
+      </p:sp>
+      <p:sp>
+        <p:nvSpPr>
+          <p:cNvPr id="24" name="TextBox 8">
+            <a:extLst>
+              <a:ext uri="{FF2B5EF4-FFF2-40B4-BE49-F238E27FC236}">
+                <a16:creationId xmlns:a16="http://schemas.microsoft.com/office/drawing/2014/main" id="{20990FD0-5350-4F70-B284-CF2ED3D2AB96}"/>
+              </a:ext>
+            </a:extLst>
+          </p:cNvPr>
+          <p:cNvSpPr txBox="1"/>
+          <p:nvPr/>
+        </p:nvSpPr>
+        <p:spPr>
+          <a:xfrm>
+            <a:off x="2118606" y="659807"/>
+            <a:ext cx="1114216" cy="369332"/>
+          </a:xfrm>
+          <a:prstGeom prst="rect">
+            <a:avLst/>
+          </a:prstGeom>
+          <a:noFill/>
+        </p:spPr>
+        <p:txBody>
+          <a:bodyPr wrap="none" rtlCol="0">
+            <a:spAutoFit/>
+          </a:bodyPr>
+          <a:lstStyle/>
+          <a:p>
+            <a:pPr algn="ctr"/>
+            <a:r>
+              <a:rPr lang="en-US" altLang="zh-CN" b="1" dirty="0"/>
+              <a:t>Repo Link</a:t>
+            </a:r>
+            <a:endParaRPr lang="en-SG" b="1" dirty="0"/>
           </a:p>
         </p:txBody>
       </p:sp>

--- a/docs/diagrams/ug-report.pptx
+++ b/docs/diagrams/ug-report.pptx
@@ -261,7 +261,7 @@
           <a:p>
             <a:fld id="{D5F4EE06-143D-4C2F-8831-1CDA21FFE47B}" type="datetimeFigureOut">
               <a:rPr lang="en-SG" smtClean="0"/>
-              <a:t>23/1/2019</a:t>
+              <a:t>2/3/19</a:t>
             </a:fld>
             <a:endParaRPr lang="en-SG"/>
           </a:p>
@@ -461,7 +461,7 @@
           <a:p>
             <a:fld id="{D5F4EE06-143D-4C2F-8831-1CDA21FFE47B}" type="datetimeFigureOut">
               <a:rPr lang="en-SG" smtClean="0"/>
-              <a:t>23/1/2019</a:t>
+              <a:t>2/3/19</a:t>
             </a:fld>
             <a:endParaRPr lang="en-SG"/>
           </a:p>
@@ -671,7 +671,7 @@
           <a:p>
             <a:fld id="{D5F4EE06-143D-4C2F-8831-1CDA21FFE47B}" type="datetimeFigureOut">
               <a:rPr lang="en-SG" smtClean="0"/>
-              <a:t>23/1/2019</a:t>
+              <a:t>2/3/19</a:t>
             </a:fld>
             <a:endParaRPr lang="en-SG"/>
           </a:p>
@@ -871,7 +871,7 @@
           <a:p>
             <a:fld id="{D5F4EE06-143D-4C2F-8831-1CDA21FFE47B}" type="datetimeFigureOut">
               <a:rPr lang="en-SG" smtClean="0"/>
-              <a:t>23/1/2019</a:t>
+              <a:t>2/3/19</a:t>
             </a:fld>
             <a:endParaRPr lang="en-SG"/>
           </a:p>
@@ -1147,7 +1147,7 @@
           <a:p>
             <a:fld id="{D5F4EE06-143D-4C2F-8831-1CDA21FFE47B}" type="datetimeFigureOut">
               <a:rPr lang="en-SG" smtClean="0"/>
-              <a:t>23/1/2019</a:t>
+              <a:t>2/3/19</a:t>
             </a:fld>
             <a:endParaRPr lang="en-SG"/>
           </a:p>
@@ -1415,7 +1415,7 @@
           <a:p>
             <a:fld id="{D5F4EE06-143D-4C2F-8831-1CDA21FFE47B}" type="datetimeFigureOut">
               <a:rPr lang="en-SG" smtClean="0"/>
-              <a:t>23/1/2019</a:t>
+              <a:t>2/3/19</a:t>
             </a:fld>
             <a:endParaRPr lang="en-SG"/>
           </a:p>
@@ -1830,7 +1830,7 @@
           <a:p>
             <a:fld id="{D5F4EE06-143D-4C2F-8831-1CDA21FFE47B}" type="datetimeFigureOut">
               <a:rPr lang="en-SG" smtClean="0"/>
-              <a:t>23/1/2019</a:t>
+              <a:t>2/3/19</a:t>
             </a:fld>
             <a:endParaRPr lang="en-SG"/>
           </a:p>
@@ -1972,7 +1972,7 @@
           <a:p>
             <a:fld id="{D5F4EE06-143D-4C2F-8831-1CDA21FFE47B}" type="datetimeFigureOut">
               <a:rPr lang="en-SG" smtClean="0"/>
-              <a:t>23/1/2019</a:t>
+              <a:t>2/3/19</a:t>
             </a:fld>
             <a:endParaRPr lang="en-SG"/>
           </a:p>
@@ -2085,7 +2085,7 @@
           <a:p>
             <a:fld id="{D5F4EE06-143D-4C2F-8831-1CDA21FFE47B}" type="datetimeFigureOut">
               <a:rPr lang="en-SG" smtClean="0"/>
-              <a:t>23/1/2019</a:t>
+              <a:t>2/3/19</a:t>
             </a:fld>
             <a:endParaRPr lang="en-SG"/>
           </a:p>
@@ -2398,7 +2398,7 @@
           <a:p>
             <a:fld id="{D5F4EE06-143D-4C2F-8831-1CDA21FFE47B}" type="datetimeFigureOut">
               <a:rPr lang="en-SG" smtClean="0"/>
-              <a:t>23/1/2019</a:t>
+              <a:t>2/3/19</a:t>
             </a:fld>
             <a:endParaRPr lang="en-SG"/>
           </a:p>
@@ -2687,7 +2687,7 @@
           <a:p>
             <a:fld id="{D5F4EE06-143D-4C2F-8831-1CDA21FFE47B}" type="datetimeFigureOut">
               <a:rPr lang="en-SG" smtClean="0"/>
-              <a:t>23/1/2019</a:t>
+              <a:t>2/3/19</a:t>
             </a:fld>
             <a:endParaRPr lang="en-SG"/>
           </a:p>
@@ -2930,7 +2930,7 @@
           <a:p>
             <a:fld id="{D5F4EE06-143D-4C2F-8831-1CDA21FFE47B}" type="datetimeFigureOut">
               <a:rPr lang="en-SG" smtClean="0"/>
-              <a:t>23/1/2019</a:t>
+              <a:t>2/3/19</a:t>
             </a:fld>
             <a:endParaRPr lang="en-SG"/>
           </a:p>
@@ -3349,10 +3349,10 @@
       </p:grpSpPr>
       <p:pic>
         <p:nvPicPr>
-          <p:cNvPr id="3" name="图片 2">
-            <a:extLst>
-              <a:ext uri="{FF2B5EF4-FFF2-40B4-BE49-F238E27FC236}">
-                <a16:creationId xmlns:a16="http://schemas.microsoft.com/office/drawing/2014/main" id="{078C2DC3-05AE-4DBC-A6D6-2BF0D2EFA39D}"/>
+          <p:cNvPr id="25" name="Picture 24">
+            <a:extLst>
+              <a:ext uri="{FF2B5EF4-FFF2-40B4-BE49-F238E27FC236}">
+                <a16:creationId xmlns:a16="http://schemas.microsoft.com/office/drawing/2014/main" id="{61B9624A-61A2-274A-863A-57ED7C657D77}"/>
               </a:ext>
             </a:extLst>
           </p:cNvPr>
@@ -3375,8 +3375,8 @@
         </p:blipFill>
         <p:spPr>
           <a:xfrm>
-            <a:off x="528187" y="-2040"/>
-            <a:ext cx="9534617" cy="4689403"/>
+            <a:off x="1853224" y="1084133"/>
+            <a:ext cx="9487249" cy="4671748"/>
           </a:xfrm>
           <a:prstGeom prst="rect">
             <a:avLst/>
@@ -3397,7 +3397,7 @@
         </p:nvSpPr>
         <p:spPr>
           <a:xfrm>
-            <a:off x="4532800" y="1714711"/>
+            <a:off x="5726346" y="2980389"/>
             <a:ext cx="739306" cy="369332"/>
           </a:xfrm>
           <a:prstGeom prst="rect">
@@ -3433,7 +3433,7 @@
         </p:nvSpPr>
         <p:spPr>
           <a:xfrm>
-            <a:off x="7530269" y="-591128"/>
+            <a:off x="8812991" y="537332"/>
             <a:ext cx="517237" cy="554182"/>
           </a:xfrm>
           <a:prstGeom prst="downArrow">
@@ -3485,7 +3485,7 @@
         </p:nvSpPr>
         <p:spPr>
           <a:xfrm>
-            <a:off x="7164200" y="-960460"/>
+            <a:off x="8446922" y="168000"/>
             <a:ext cx="1249381" cy="369332"/>
           </a:xfrm>
           <a:prstGeom prst="rect">
@@ -3521,7 +3521,7 @@
         </p:nvSpPr>
         <p:spPr>
           <a:xfrm rot="5400000">
-            <a:off x="1699109" y="3673304"/>
+            <a:off x="2976778" y="4990040"/>
             <a:ext cx="517237" cy="554182"/>
           </a:xfrm>
           <a:prstGeom prst="downArrow">
@@ -3573,7 +3573,7 @@
         </p:nvSpPr>
         <p:spPr>
           <a:xfrm>
-            <a:off x="2271366" y="3766376"/>
+            <a:off x="3549035" y="5083112"/>
             <a:ext cx="1777538" cy="369332"/>
           </a:xfrm>
           <a:prstGeom prst="rect">
@@ -3609,7 +3609,7 @@
         </p:nvSpPr>
         <p:spPr>
           <a:xfrm rot="10800000">
-            <a:off x="4643835" y="1179832"/>
+            <a:off x="5837381" y="2445510"/>
             <a:ext cx="517237" cy="554182"/>
           </a:xfrm>
           <a:prstGeom prst="downArrow">
@@ -3661,7 +3661,7 @@
         </p:nvSpPr>
         <p:spPr>
           <a:xfrm>
-            <a:off x="-926499" y="181582"/>
+            <a:off x="370563" y="1384289"/>
             <a:ext cx="900503" cy="369332"/>
           </a:xfrm>
           <a:prstGeom prst="rect">
@@ -3697,7 +3697,7 @@
         </p:nvSpPr>
         <p:spPr>
           <a:xfrm rot="16200000">
-            <a:off x="-7523" y="124097"/>
+            <a:off x="1289539" y="1326804"/>
             <a:ext cx="517237" cy="554182"/>
           </a:xfrm>
           <a:prstGeom prst="downArrow">
@@ -3749,7 +3749,7 @@
         </p:nvSpPr>
         <p:spPr>
           <a:xfrm>
-            <a:off x="2561512" y="-601935"/>
+            <a:off x="3820806" y="563075"/>
             <a:ext cx="517237" cy="554182"/>
           </a:xfrm>
           <a:prstGeom prst="downArrow">
@@ -3801,7 +3801,7 @@
         </p:nvSpPr>
         <p:spPr>
           <a:xfrm>
-            <a:off x="2177009" y="-971267"/>
+            <a:off x="3436303" y="193743"/>
             <a:ext cx="1286250" cy="369332"/>
           </a:xfrm>
           <a:prstGeom prst="rect">
@@ -3837,7 +3837,7 @@
         </p:nvSpPr>
         <p:spPr>
           <a:xfrm>
-            <a:off x="-1277669" y="1824977"/>
+            <a:off x="-42114" y="3191439"/>
             <a:ext cx="1313181" cy="369332"/>
           </a:xfrm>
           <a:prstGeom prst="rect">
@@ -3873,7 +3873,7 @@
         </p:nvSpPr>
         <p:spPr>
           <a:xfrm rot="16200000">
-            <a:off x="53985" y="1744806"/>
+            <a:off x="1289540" y="3111268"/>
             <a:ext cx="517237" cy="554182"/>
           </a:xfrm>
           <a:prstGeom prst="downArrow">
@@ -3924,9 +3924,9 @@
           <p:nvPr/>
         </p:nvSpPr>
         <p:spPr>
-          <a:xfrm>
-            <a:off x="9058710" y="181582"/>
-            <a:ext cx="165190" cy="618288"/>
+          <a:xfrm rot="10800000">
+            <a:off x="8861759" y="2412815"/>
+            <a:ext cx="175512" cy="369333"/>
           </a:xfrm>
           <a:prstGeom prst="downArrow">
             <a:avLst/>
@@ -3977,7 +3977,7 @@
         </p:nvSpPr>
         <p:spPr>
           <a:xfrm>
-            <a:off x="8432622" y="-279561"/>
+            <a:off x="8986369" y="2474630"/>
             <a:ext cx="1399614" cy="369332"/>
           </a:xfrm>
           <a:prstGeom prst="rect">
@@ -4014,7 +4014,7 @@
         </p:nvSpPr>
         <p:spPr>
           <a:xfrm rot="5400000">
-            <a:off x="9674863" y="579726"/>
+            <a:off x="9500604" y="2005755"/>
             <a:ext cx="141163" cy="634719"/>
           </a:xfrm>
           <a:prstGeom prst="downArrow">
@@ -4066,7 +4066,7 @@
         </p:nvSpPr>
         <p:spPr>
           <a:xfrm>
-            <a:off x="9225331" y="457172"/>
+            <a:off x="9916277" y="2138448"/>
             <a:ext cx="1318438" cy="369332"/>
           </a:xfrm>
           <a:prstGeom prst="rect">
@@ -4103,7 +4103,7 @@
         </p:nvSpPr>
         <p:spPr>
           <a:xfrm rot="5400000">
-            <a:off x="1727904" y="527722"/>
+            <a:off x="3276460" y="1801670"/>
             <a:ext cx="141163" cy="634719"/>
           </a:xfrm>
           <a:prstGeom prst="downArrow">
@@ -4155,7 +4155,7 @@
         </p:nvSpPr>
         <p:spPr>
           <a:xfrm>
-            <a:off x="2118606" y="659807"/>
+            <a:off x="3667162" y="1933755"/>
             <a:ext cx="1114216" cy="369332"/>
           </a:xfrm>
           <a:prstGeom prst="rect">
@@ -4173,6 +4173,95 @@
             <a:r>
               <a:rPr lang="en-US" altLang="zh-CN" b="1" dirty="0"/>
               <a:t>Repo Link</a:t>
+            </a:r>
+            <a:endParaRPr lang="en-SG" b="1" dirty="0"/>
+          </a:p>
+        </p:txBody>
+      </p:sp>
+      <p:sp>
+        <p:nvSpPr>
+          <p:cNvPr id="26" name="Arrow: Down 7">
+            <a:extLst>
+              <a:ext uri="{FF2B5EF4-FFF2-40B4-BE49-F238E27FC236}">
+                <a16:creationId xmlns:a16="http://schemas.microsoft.com/office/drawing/2014/main" id="{3118F1AC-041A-AB4A-9D16-8F6C4DC3F00F}"/>
+              </a:ext>
+            </a:extLst>
+          </p:cNvPr>
+          <p:cNvSpPr/>
+          <p:nvPr/>
+        </p:nvSpPr>
+        <p:spPr>
+          <a:xfrm rot="5400000">
+            <a:off x="9116556" y="1633899"/>
+            <a:ext cx="141163" cy="634719"/>
+          </a:xfrm>
+          <a:prstGeom prst="downArrow">
+            <a:avLst/>
+          </a:prstGeom>
+          <a:noFill/>
+          <a:ln w="38100">
+            <a:solidFill>
+              <a:schemeClr val="tx1"/>
+            </a:solidFill>
+          </a:ln>
+        </p:spPr>
+        <p:style>
+          <a:lnRef idx="2">
+            <a:schemeClr val="accent1">
+              <a:shade val="50000"/>
+            </a:schemeClr>
+          </a:lnRef>
+          <a:fillRef idx="1">
+            <a:schemeClr val="accent1"/>
+          </a:fillRef>
+          <a:effectRef idx="0">
+            <a:schemeClr val="accent1"/>
+          </a:effectRef>
+          <a:fontRef idx="minor">
+            <a:schemeClr val="lt1"/>
+          </a:fontRef>
+        </p:style>
+        <p:txBody>
+          <a:bodyPr rtlCol="0" anchor="ctr"/>
+          <a:lstStyle/>
+          <a:p>
+            <a:pPr algn="ctr"/>
+            <a:endParaRPr lang="en-SG"/>
+          </a:p>
+        </p:txBody>
+      </p:sp>
+      <p:sp>
+        <p:nvSpPr>
+          <p:cNvPr id="27" name="TextBox 8">
+            <a:extLst>
+              <a:ext uri="{FF2B5EF4-FFF2-40B4-BE49-F238E27FC236}">
+                <a16:creationId xmlns:a16="http://schemas.microsoft.com/office/drawing/2014/main" id="{D6150353-FC46-3C42-A08B-60B437B51EAF}"/>
+              </a:ext>
+            </a:extLst>
+          </p:cNvPr>
+          <p:cNvSpPr txBox="1"/>
+          <p:nvPr/>
+        </p:nvSpPr>
+        <p:spPr>
+          <a:xfrm>
+            <a:off x="9504457" y="1763786"/>
+            <a:ext cx="1180516" cy="369332"/>
+          </a:xfrm>
+          <a:prstGeom prst="rect">
+            <a:avLst/>
+          </a:prstGeom>
+          <a:noFill/>
+        </p:spPr>
+        <p:txBody>
+          <a:bodyPr wrap="none" rtlCol="0">
+            <a:spAutoFit/>
+          </a:bodyPr>
+          <a:lstStyle/>
+          <a:p>
+            <a:pPr algn="ctr"/>
+            <a:r>
+              <a:rPr lang="en-US" altLang="zh-CN" b="1" dirty="0"/>
+              <a:t>Glob Filter</a:t>
             </a:r>
             <a:endParaRPr lang="en-SG" b="1" dirty="0"/>
           </a:p>
